--- a/09/yongki/WebBrowser.pptx
+++ b/09/yongki/WebBrowser.pptx
@@ -5,7 +5,7 @@
     <p:sldMasterId id="2147483648" r:id="rId1"/>
   </p:sldMasterIdLst>
   <p:notesMasterIdLst>
-    <p:notesMasterId r:id="rId21"/>
+    <p:notesMasterId r:id="rId22"/>
   </p:notesMasterIdLst>
   <p:sldIdLst>
     <p:sldId id="256" r:id="rId2"/>
@@ -26,7 +26,8 @@
     <p:sldId id="311" r:id="rId17"/>
     <p:sldId id="310" r:id="rId18"/>
     <p:sldId id="312" r:id="rId19"/>
-    <p:sldId id="301" r:id="rId20"/>
+    <p:sldId id="313" r:id="rId20"/>
+    <p:sldId id="301" r:id="rId21"/>
   </p:sldIdLst>
   <p:sldSz cx="9144000" cy="6858000" type="screen4x3"/>
   <p:notesSz cx="6858000" cy="9144000"/>
@@ -4911,7 +4912,7 @@
               <a:buNone/>
             </a:pPr>
             <a:r>
-              <a:rPr lang="en-US" altLang="ko-KR" sz="1400" b="0" i="0">
+              <a:rPr lang="en-US" altLang="ko-KR" sz="1400" b="1" i="1">
                 <a:solidFill>
                   <a:srgbClr val="24292F"/>
                 </a:solidFill>
@@ -4922,7 +4923,7 @@
               <a:t>5. </a:t>
             </a:r>
             <a:r>
-              <a:rPr lang="ko-KR" altLang="en-US" sz="1400" b="0" i="0">
+              <a:rPr lang="ko-KR" altLang="en-US" sz="1400" b="1" i="1">
                 <a:solidFill>
                   <a:srgbClr val="24292F"/>
                 </a:solidFill>
@@ -4933,7 +4934,7 @@
               <a:t>제어가 넘어온 리졸버는 </a:t>
             </a:r>
             <a:r>
-              <a:rPr lang="en-US" altLang="ko-KR" sz="1400" b="1" i="0">
+              <a:rPr lang="en-US" altLang="ko-KR" sz="1400" b="1" i="1">
                 <a:solidFill>
                   <a:srgbClr val="24292F"/>
                 </a:solidFill>
@@ -4944,7 +4945,7 @@
               <a:t>DNS </a:t>
             </a:r>
             <a:r>
-              <a:rPr lang="ko-KR" altLang="en-US" sz="1400" b="1" i="0">
+              <a:rPr lang="ko-KR" altLang="en-US" sz="1400" b="1" i="1">
                 <a:solidFill>
                   <a:srgbClr val="24292F"/>
                 </a:solidFill>
@@ -4952,21 +4953,10 @@
                 <a:latin typeface="맑은 고딕" panose="020B0503020000020004" pitchFamily="50" charset="-127"/>
                 <a:ea typeface="맑은 고딕" panose="020B0503020000020004" pitchFamily="50" charset="-127"/>
               </a:rPr>
-              <a:t>조회 메시지</a:t>
-            </a:r>
-            <a:r>
-              <a:rPr lang="ko-KR" altLang="en-US" sz="1400" b="0" i="0">
-                <a:solidFill>
-                  <a:srgbClr val="24292F"/>
-                </a:solidFill>
-                <a:effectLst/>
-                <a:latin typeface="맑은 고딕" panose="020B0503020000020004" pitchFamily="50" charset="-127"/>
-                <a:ea typeface="맑은 고딕" panose="020B0503020000020004" pitchFamily="50" charset="-127"/>
-              </a:rPr>
-              <a:t>를 만든다</a:t>
-            </a:r>
-            <a:r>
-              <a:rPr lang="en-US" altLang="ko-KR" sz="1400" b="0" i="0">
+              <a:t>조회 메시지를 만든다</a:t>
+            </a:r>
+            <a:r>
+              <a:rPr lang="en-US" altLang="ko-KR" sz="1400" b="1" i="1">
                 <a:solidFill>
                   <a:srgbClr val="24292F"/>
                 </a:solidFill>
@@ -5860,7 +5850,7 @@
               <a:buNone/>
             </a:pPr>
             <a:r>
-              <a:rPr lang="en-US" altLang="ko-KR" sz="1400" b="0" i="0">
+              <a:rPr lang="en-US" altLang="ko-KR" sz="1400" b="1" i="1">
                 <a:solidFill>
                   <a:srgbClr val="24292F"/>
                 </a:solidFill>
@@ -5871,7 +5861,7 @@
               <a:t>6. OS</a:t>
             </a:r>
             <a:r>
-              <a:rPr lang="ko-KR" altLang="en-US" sz="1400" b="0" i="0">
+              <a:rPr lang="ko-KR" altLang="en-US" sz="1400" b="1" i="1">
                 <a:solidFill>
                   <a:srgbClr val="24292F"/>
                 </a:solidFill>
@@ -5882,7 +5872,7 @@
               <a:t>의 프로토콜 스택을 호출하여 메시지 송신 실행을 의뢰한다</a:t>
             </a:r>
             <a:r>
-              <a:rPr lang="en-US" altLang="ko-KR" sz="1400">
+              <a:rPr lang="en-US" altLang="ko-KR" sz="1400" b="1" i="1">
                 <a:solidFill>
                   <a:srgbClr val="24292F"/>
                 </a:solidFill>
@@ -5891,7 +5881,7 @@
               </a:rPr>
               <a:t>.</a:t>
             </a:r>
-            <a:endParaRPr lang="en-US" altLang="ko-KR" sz="1400" b="0" i="0">
+            <a:endParaRPr lang="en-US" altLang="ko-KR" sz="1400" b="1" i="1">
               <a:solidFill>
                 <a:srgbClr val="24292F"/>
               </a:solidFill>
@@ -6347,7 +6337,7 @@
               <a:buNone/>
             </a:pPr>
             <a:r>
-              <a:rPr lang="en-US" altLang="ko-KR" sz="1400" b="0" i="0">
+              <a:rPr lang="en-US" altLang="ko-KR" sz="1400" b="1" i="1">
                 <a:solidFill>
                   <a:srgbClr val="24292F"/>
                 </a:solidFill>
@@ -6358,7 +6348,7 @@
               <a:t>7. </a:t>
             </a:r>
             <a:r>
-              <a:rPr lang="ko-KR" altLang="en-US" sz="1400" b="0" i="0">
+              <a:rPr lang="ko-KR" altLang="en-US" sz="1400" b="1" i="1">
                 <a:solidFill>
                   <a:srgbClr val="24292F"/>
                 </a:solidFill>
@@ -6369,7 +6359,7 @@
               <a:t>제어가 프로토콜 스택으로 넘어간다</a:t>
             </a:r>
             <a:r>
-              <a:rPr lang="en-US" altLang="ko-KR" sz="1400" b="0" i="0">
+              <a:rPr lang="en-US" altLang="ko-KR" sz="1400" b="1" i="1">
                 <a:solidFill>
                   <a:srgbClr val="24292F"/>
                 </a:solidFill>
@@ -6577,7 +6567,7 @@
               <a:buNone/>
             </a:pPr>
             <a:r>
-              <a:rPr lang="en-US" altLang="ko-KR" sz="1400" b="0" i="0">
+              <a:rPr lang="en-US" altLang="ko-KR" sz="1400" b="1" i="1">
                 <a:solidFill>
                   <a:srgbClr val="24292F"/>
                 </a:solidFill>
@@ -6588,7 +6578,7 @@
               <a:t>8. </a:t>
             </a:r>
             <a:r>
-              <a:rPr lang="ko-KR" altLang="en-US" sz="1400" b="0" i="0">
+              <a:rPr lang="ko-KR" altLang="en-US" sz="1400" b="1" i="1">
                 <a:solidFill>
                   <a:srgbClr val="24292F"/>
                 </a:solidFill>
@@ -6599,7 +6589,7 @@
               <a:t>프로토콜 스택은 </a:t>
             </a:r>
             <a:r>
-              <a:rPr lang="en-US" altLang="ko-KR" sz="1400" b="0" i="0">
+              <a:rPr lang="en-US" altLang="ko-KR" sz="1400" b="1" i="1">
                 <a:solidFill>
                   <a:srgbClr val="24292F"/>
                 </a:solidFill>
@@ -6610,7 +6600,7 @@
               <a:t>LAN </a:t>
             </a:r>
             <a:r>
-              <a:rPr lang="ko-KR" altLang="en-US" sz="1400" b="0" i="0">
+              <a:rPr lang="ko-KR" altLang="en-US" sz="1400" b="1" i="1">
                 <a:solidFill>
                   <a:srgbClr val="24292F"/>
                 </a:solidFill>
@@ -6621,7 +6611,7 @@
               <a:t>어댑터를 통해 메시지를 </a:t>
             </a:r>
             <a:r>
-              <a:rPr lang="en-US" altLang="ko-KR" sz="1400" b="0" i="0">
+              <a:rPr lang="en-US" altLang="ko-KR" sz="1400" b="1" i="1">
                 <a:solidFill>
                   <a:srgbClr val="24292F"/>
                 </a:solidFill>
@@ -6632,7 +6622,7 @@
               <a:t>DNS </a:t>
             </a:r>
             <a:r>
-              <a:rPr lang="ko-KR" altLang="en-US" sz="1400" b="0" i="0">
+              <a:rPr lang="ko-KR" altLang="en-US" sz="1400" b="1" i="1">
                 <a:solidFill>
                   <a:srgbClr val="24292F"/>
                 </a:solidFill>
@@ -6643,7 +6633,7 @@
               <a:t>서버를 향해 송신한다</a:t>
             </a:r>
             <a:r>
-              <a:rPr lang="en-US" altLang="ko-KR" sz="1400" b="0" i="0">
+              <a:rPr lang="en-US" altLang="ko-KR" sz="1400" b="1" i="1">
                 <a:solidFill>
                   <a:srgbClr val="24292F"/>
                 </a:solidFill>
@@ -7143,7 +7133,7 @@
               <a:buNone/>
             </a:pPr>
             <a:r>
-              <a:rPr lang="en-US" altLang="ko-KR" sz="1400" b="0" i="0">
+              <a:rPr lang="en-US" altLang="ko-KR" sz="1400" b="1" i="1">
                 <a:solidFill>
                   <a:srgbClr val="24292F"/>
                 </a:solidFill>
@@ -7154,7 +7144,7 @@
               <a:t>9. </a:t>
             </a:r>
             <a:r>
-              <a:rPr lang="ko-KR" altLang="en-US" sz="1400" b="1" i="0">
+              <a:rPr lang="ko-KR" altLang="en-US" sz="1400" b="1" i="1">
                 <a:solidFill>
                   <a:srgbClr val="24292F"/>
                 </a:solidFill>
@@ -7165,7 +7155,7 @@
               <a:t>웹서버가 </a:t>
             </a:r>
             <a:r>
-              <a:rPr lang="en-US" altLang="ko-KR" sz="1400" b="1" i="0">
+              <a:rPr lang="en-US" altLang="ko-KR" sz="1400" b="1" i="1">
                 <a:solidFill>
                   <a:srgbClr val="24292F"/>
                 </a:solidFill>
@@ -7176,7 +7166,7 @@
               <a:t>DNS </a:t>
             </a:r>
             <a:r>
-              <a:rPr lang="ko-KR" altLang="en-US" sz="1400" b="1" i="0">
+              <a:rPr lang="ko-KR" altLang="en-US" sz="1400" b="1" i="1">
                 <a:solidFill>
                   <a:srgbClr val="24292F"/>
                 </a:solidFill>
@@ -7187,7 +7177,7 @@
               <a:t>서버에 등록되어 있다면</a:t>
             </a:r>
             <a:r>
-              <a:rPr lang="en-US" altLang="ko-KR" sz="1400" b="1" i="0">
+              <a:rPr lang="en-US" altLang="ko-KR" sz="1400" b="1" i="1">
                 <a:solidFill>
                   <a:srgbClr val="24292F"/>
                 </a:solidFill>
@@ -7198,7 +7188,7 @@
               <a:t>,</a:t>
             </a:r>
             <a:br>
-              <a:rPr lang="en-US" altLang="ko-KR" sz="1400" b="0" i="0">
+              <a:rPr lang="en-US" altLang="ko-KR" sz="1400" b="1" i="1">
                 <a:solidFill>
                   <a:srgbClr val="24292F"/>
                 </a:solidFill>
@@ -7208,7 +7198,7 @@
               </a:rPr>
             </a:br>
             <a:r>
-              <a:rPr lang="en-US" altLang="ko-KR" sz="1400" b="0" i="0">
+              <a:rPr lang="en-US" altLang="ko-KR" sz="1400" b="1" i="1">
                 <a:solidFill>
                   <a:srgbClr val="24292F"/>
                 </a:solidFill>
@@ -7219,7 +7209,7 @@
               <a:t>   </a:t>
             </a:r>
             <a:r>
-              <a:rPr lang="ko-KR" altLang="en-US" sz="1400" b="0" i="0">
+              <a:rPr lang="ko-KR" altLang="en-US" sz="1400" b="1" i="1">
                 <a:solidFill>
                   <a:srgbClr val="24292F"/>
                 </a:solidFill>
@@ -7227,32 +7217,10 @@
                 <a:latin typeface="맑은 고딕" panose="020B0503020000020004" pitchFamily="50" charset="-127"/>
                 <a:ea typeface="맑은 고딕" panose="020B0503020000020004" pitchFamily="50" charset="-127"/>
               </a:rPr>
-              <a:t>이후 </a:t>
-            </a:r>
-            <a:r>
-              <a:rPr lang="ko-KR" altLang="en-US" sz="1400" b="1" i="0">
-                <a:solidFill>
-                  <a:srgbClr val="24292F"/>
-                </a:solidFill>
-                <a:effectLst/>
-                <a:latin typeface="맑은 고딕" panose="020B0503020000020004" pitchFamily="50" charset="-127"/>
-                <a:ea typeface="맑은 고딕" panose="020B0503020000020004" pitchFamily="50" charset="-127"/>
-              </a:rPr>
-              <a:t>응답 메시지</a:t>
-            </a:r>
-            <a:r>
-              <a:rPr lang="ko-KR" altLang="en-US" sz="1400" b="0" i="0">
-                <a:solidFill>
-                  <a:srgbClr val="24292F"/>
-                </a:solidFill>
-                <a:effectLst/>
-                <a:latin typeface="맑은 고딕" panose="020B0503020000020004" pitchFamily="50" charset="-127"/>
-                <a:ea typeface="맑은 고딕" panose="020B0503020000020004" pitchFamily="50" charset="-127"/>
-              </a:rPr>
-              <a:t>가 브라우저로 돌아오는 과정은 지나온 과정의 역순이다</a:t>
-            </a:r>
-            <a:r>
-              <a:rPr lang="en-US" altLang="ko-KR" sz="1400" b="0" i="0">
+              <a:t>이후 응답 메시지가 브라우저로 돌아오는 과정은 지나온 과정의 역순이다</a:t>
+            </a:r>
+            <a:r>
+              <a:rPr lang="en-US" altLang="ko-KR" sz="1400" b="1" i="1">
                 <a:solidFill>
                   <a:srgbClr val="24292F"/>
                 </a:solidFill>
@@ -13659,7 +13627,7 @@
               <a:buNone/>
             </a:pPr>
             <a:r>
-              <a:rPr lang="en-US" altLang="ko-KR" sz="1400" b="0" i="0">
+              <a:rPr lang="en-US" altLang="ko-KR" sz="1400" b="1" i="1">
                 <a:solidFill>
                   <a:srgbClr val="24292F"/>
                 </a:solidFill>
@@ -13670,7 +13638,7 @@
               <a:t>13. </a:t>
             </a:r>
             <a:r>
-              <a:rPr lang="ko-KR" altLang="en-US" sz="1400" b="0" i="0">
+              <a:rPr lang="ko-KR" altLang="en-US" sz="1400" b="1" i="1">
                 <a:solidFill>
                   <a:srgbClr val="24292F"/>
                 </a:solidFill>
@@ -13681,7 +13649,7 @@
               <a:t>서버측에서 소켓을 만들고</a:t>
             </a:r>
             <a:r>
-              <a:rPr lang="en-US" altLang="ko-KR" sz="1400" b="0" i="0">
+              <a:rPr lang="en-US" altLang="ko-KR" sz="1400" b="1" i="1">
                 <a:solidFill>
                   <a:srgbClr val="24292F"/>
                 </a:solidFill>
@@ -13692,7 +13660,7 @@
               <a:t>, </a:t>
             </a:r>
             <a:r>
-              <a:rPr lang="ko-KR" altLang="en-US" sz="1400" b="0" i="0">
+              <a:rPr lang="ko-KR" altLang="en-US" sz="1400" b="1" i="1">
                 <a:solidFill>
                   <a:srgbClr val="24292F"/>
                 </a:solidFill>
@@ -13703,7 +13671,7 @@
               <a:t>소켓에 클라이언트가 파이프를 연결하기를 기다린다</a:t>
             </a:r>
             <a:r>
-              <a:rPr lang="en-US" altLang="ko-KR" sz="1400" b="0" i="0">
+              <a:rPr lang="en-US" altLang="ko-KR" sz="1400" b="1" i="1">
                 <a:solidFill>
                   <a:srgbClr val="24292F"/>
                 </a:solidFill>
@@ -13911,7 +13879,7 @@
               <a:buNone/>
             </a:pPr>
             <a:r>
-              <a:rPr lang="en-US" altLang="ko-KR" sz="1400" b="0" i="0">
+              <a:rPr lang="en-US" altLang="ko-KR" sz="1400" b="1" i="1">
                 <a:solidFill>
                   <a:srgbClr val="24292F"/>
                 </a:solidFill>
@@ -13922,7 +13890,7 @@
               <a:t>14. </a:t>
             </a:r>
             <a:r>
-              <a:rPr lang="ko-KR" altLang="en-US" sz="1400" b="0" i="0">
+              <a:rPr lang="ko-KR" altLang="en-US" sz="1400" b="1" i="1">
                 <a:solidFill>
                   <a:srgbClr val="24292F"/>
                 </a:solidFill>
@@ -13933,7 +13901,7 @@
               <a:t>클라이언트측에서 소켓을 만드는데</a:t>
             </a:r>
             <a:r>
-              <a:rPr lang="en-US" altLang="ko-KR" sz="1400" b="0" i="0">
+              <a:rPr lang="en-US" altLang="ko-KR" sz="1400" b="1" i="1">
                 <a:solidFill>
                   <a:srgbClr val="24292F"/>
                 </a:solidFill>
@@ -13949,7 +13917,7 @@
               <a:buNone/>
             </a:pPr>
             <a:r>
-              <a:rPr lang="en-US" altLang="ko-KR" sz="1400">
+              <a:rPr lang="en-US" altLang="ko-KR" sz="1400" b="1" i="1">
                 <a:solidFill>
                   <a:srgbClr val="24292F"/>
                 </a:solidFill>
@@ -13959,7 +13927,7 @@
               <a:t>     </a:t>
             </a:r>
             <a:r>
-              <a:rPr lang="ko-KR" altLang="en-US" sz="1400">
+              <a:rPr lang="ko-KR" altLang="en-US" sz="1400" b="1" i="1">
                 <a:solidFill>
                   <a:srgbClr val="24292F"/>
                 </a:solidFill>
@@ -13969,7 +13937,7 @@
               <a:t>소켓이 생기면</a:t>
             </a:r>
             <a:r>
-              <a:rPr lang="en-US" altLang="ko-KR" sz="1400">
+              <a:rPr lang="en-US" altLang="ko-KR" sz="1400" b="1" i="1">
                 <a:solidFill>
                   <a:srgbClr val="24292F"/>
                 </a:solidFill>
@@ -13979,7 +13947,7 @@
               <a:t> </a:t>
             </a:r>
             <a:r>
-              <a:rPr lang="ko-KR" altLang="en-US" sz="1400">
+              <a:rPr lang="ko-KR" altLang="en-US" sz="1400" b="1" i="1">
                 <a:solidFill>
                   <a:srgbClr val="24292F"/>
                 </a:solidFill>
@@ -13989,7 +13957,7 @@
               <a:t>돌아오는 디스크립터를 브라우저는 이를 메모리에 기록한다</a:t>
             </a:r>
             <a:r>
-              <a:rPr lang="en-US" altLang="ko-KR" sz="1400">
+              <a:rPr lang="en-US" altLang="ko-KR" sz="1400" b="1" i="1">
                 <a:solidFill>
                   <a:srgbClr val="24292F"/>
                 </a:solidFill>
@@ -13998,7 +13966,7 @@
               </a:rPr>
               <a:t>.</a:t>
             </a:r>
-            <a:endParaRPr lang="en-US" altLang="ko-KR" sz="1400" b="0" i="0">
+            <a:endParaRPr lang="en-US" altLang="ko-KR" sz="1400" b="1" i="1">
               <a:solidFill>
                 <a:srgbClr val="24292F"/>
               </a:solidFill>
@@ -14204,7 +14172,7 @@
               <a:buNone/>
             </a:pPr>
             <a:r>
-              <a:rPr lang="en-US" altLang="ko-KR" sz="1400" b="0" i="0">
+              <a:rPr lang="en-US" altLang="ko-KR" sz="1400" b="1" i="1">
                 <a:solidFill>
                   <a:srgbClr val="24292F"/>
                 </a:solidFill>
@@ -14215,7 +14183,7 @@
               <a:t>15. </a:t>
             </a:r>
             <a:r>
-              <a:rPr lang="ko-KR" altLang="en-US" sz="1400" b="0" i="0">
+              <a:rPr lang="ko-KR" altLang="en-US" sz="1400" b="1" i="1">
                 <a:solidFill>
                   <a:srgbClr val="24292F"/>
                 </a:solidFill>
@@ -14226,17 +14194,17 @@
               <a:t>이후 클라이언트측 소켓에서 </a:t>
             </a:r>
             <a:r>
-              <a:rPr lang="ko-KR" altLang="en-US" sz="1400">
-                <a:solidFill>
-                  <a:srgbClr val="24292F"/>
-                </a:solidFill>
-                <a:latin typeface="맑은 고딕" panose="020B0503020000020004" pitchFamily="50" charset="-127"/>
-                <a:ea typeface="맑은 고딕" panose="020B0503020000020004" pitchFamily="50" charset="-127"/>
-              </a:rPr>
-              <a:t>서버측의 소켓에 연결한다</a:t>
-            </a:r>
-            <a:r>
-              <a:rPr lang="en-US" altLang="ko-KR" sz="1400">
+              <a:rPr lang="ko-KR" altLang="en-US" sz="1400" b="1" i="1">
+                <a:solidFill>
+                  <a:srgbClr val="24292F"/>
+                </a:solidFill>
+                <a:latin typeface="맑은 고딕" panose="020B0503020000020004" pitchFamily="50" charset="-127"/>
+                <a:ea typeface="맑은 고딕" panose="020B0503020000020004" pitchFamily="50" charset="-127"/>
+              </a:rPr>
+              <a:t>서버측의 소켓으로 파이프 연결을 시도한다</a:t>
+            </a:r>
+            <a:r>
+              <a:rPr lang="en-US" altLang="ko-KR" sz="1400" b="1" i="1">
                 <a:solidFill>
                   <a:srgbClr val="24292F"/>
                 </a:solidFill>
@@ -14245,7 +14213,7 @@
               </a:rPr>
               <a:t>.</a:t>
             </a:r>
-            <a:endParaRPr lang="en-US" altLang="ko-KR" sz="1400" b="0" i="0">
+            <a:endParaRPr lang="en-US" altLang="ko-KR" sz="1400" b="1" i="1">
               <a:solidFill>
                 <a:srgbClr val="24292F"/>
               </a:solidFill>
@@ -14562,36 +14530,6 @@
           </a:p>
         </p:txBody>
       </p:sp>
-      <p:pic>
-        <p:nvPicPr>
-          <p:cNvPr id="13" name="그림 12">
-            <a:extLst>
-              <a:ext uri="{FF2B5EF4-FFF2-40B4-BE49-F238E27FC236}">
-                <a16:creationId xmlns:a16="http://schemas.microsoft.com/office/drawing/2014/main" id="{F98B81B4-AD68-43F9-8AD8-20EEB1A4A766}"/>
-              </a:ext>
-            </a:extLst>
-          </p:cNvPr>
-          <p:cNvPicPr>
-            <a:picLocks noChangeAspect="1"/>
-          </p:cNvPicPr>
-          <p:nvPr/>
-        </p:nvPicPr>
-        <p:blipFill>
-          <a:blip r:embed="rId2"/>
-          <a:stretch>
-            <a:fillRect/>
-          </a:stretch>
-        </p:blipFill>
-        <p:spPr>
-          <a:xfrm>
-            <a:off x="971600" y="4453030"/>
-            <a:ext cx="4477375" cy="381053"/>
-          </a:xfrm>
-          <a:prstGeom prst="rect">
-            <a:avLst/>
-          </a:prstGeom>
-        </p:spPr>
-      </p:pic>
       <p:sp>
         <p:nvSpPr>
           <p:cNvPr id="15" name="TextBox 14">
@@ -14608,8 +14546,8 @@
         </p:nvSpPr>
         <p:spPr bwMode="auto">
           <a:xfrm>
-            <a:off x="914400" y="4943485"/>
-            <a:ext cx="8229600" cy="523220"/>
+            <a:off x="885135" y="4682206"/>
+            <a:ext cx="8229600" cy="1902059"/>
           </a:xfrm>
           <a:prstGeom prst="rect">
             <a:avLst/>
@@ -14795,9 +14733,141 @@
                 <a:latin typeface="맑은 고딕" panose="020B0503020000020004" pitchFamily="50" charset="-127"/>
                 <a:ea typeface="맑은 고딕" panose="020B0503020000020004" pitchFamily="50" charset="-127"/>
               </a:rPr>
+              <a:t>파이프 연결 시도시</a:t>
+            </a:r>
+            <a:r>
+              <a:rPr lang="en-US" altLang="ko-KR" sz="1400" b="0" i="0">
+                <a:solidFill>
+                  <a:srgbClr val="24292F"/>
+                </a:solidFill>
+                <a:effectLst/>
+                <a:latin typeface="맑은 고딕" panose="020B0503020000020004" pitchFamily="50" charset="-127"/>
+                <a:ea typeface="맑은 고딕" panose="020B0503020000020004" pitchFamily="50" charset="-127"/>
+              </a:rPr>
+              <a:t>, </a:t>
+            </a:r>
+            <a:r>
+              <a:rPr lang="ko-KR" altLang="en-US" sz="1400" b="0" i="0">
+                <a:solidFill>
+                  <a:srgbClr val="24292F"/>
+                </a:solidFill>
+                <a:effectLst/>
+                <a:latin typeface="맑은 고딕" panose="020B0503020000020004" pitchFamily="50" charset="-127"/>
+                <a:ea typeface="맑은 고딕" panose="020B0503020000020004" pitchFamily="50" charset="-127"/>
+              </a:rPr>
+              <a:t>클라이언트에게는 </a:t>
+            </a:r>
+            <a:r>
+              <a:rPr lang="en-US" altLang="ko-KR" sz="1400" b="0" i="0">
+                <a:solidFill>
+                  <a:srgbClr val="24292F"/>
+                </a:solidFill>
+                <a:effectLst/>
+                <a:latin typeface="맑은 고딕" panose="020B0503020000020004" pitchFamily="50" charset="-127"/>
+                <a:ea typeface="맑은 고딕" panose="020B0503020000020004" pitchFamily="50" charset="-127"/>
+              </a:rPr>
+              <a:t>(</a:t>
+            </a:r>
+            <a:r>
+              <a:rPr lang="ko-KR" altLang="en-US" sz="1400" i="0">
+                <a:solidFill>
+                  <a:srgbClr val="24292F"/>
+                </a:solidFill>
+                <a:effectLst/>
+                <a:latin typeface="맑은 고딕" panose="020B0503020000020004" pitchFamily="50" charset="-127"/>
+                <a:ea typeface="맑은 고딕" panose="020B0503020000020004" pitchFamily="50" charset="-127"/>
+              </a:rPr>
+              <a:t>디스크립터 </a:t>
+            </a:r>
+            <a:r>
+              <a:rPr lang="en-US" altLang="ko-KR" sz="1400" i="0">
+                <a:solidFill>
+                  <a:srgbClr val="24292F"/>
+                </a:solidFill>
+                <a:effectLst/>
+                <a:latin typeface="맑은 고딕" panose="020B0503020000020004" pitchFamily="50" charset="-127"/>
+                <a:ea typeface="맑은 고딕" panose="020B0503020000020004" pitchFamily="50" charset="-127"/>
+              </a:rPr>
+              <a:t>/ </a:t>
+            </a:r>
+            <a:r>
+              <a:rPr lang="ko-KR" altLang="en-US" sz="1400" i="0">
+                <a:solidFill>
+                  <a:srgbClr val="24292F"/>
+                </a:solidFill>
+                <a:effectLst/>
+                <a:latin typeface="맑은 고딕" panose="020B0503020000020004" pitchFamily="50" charset="-127"/>
+                <a:ea typeface="맑은 고딕" panose="020B0503020000020004" pitchFamily="50" charset="-127"/>
+              </a:rPr>
               <a:t>서버 </a:t>
             </a:r>
             <a:r>
+              <a:rPr lang="en-US" altLang="ko-KR" sz="1400" i="0">
+                <a:solidFill>
+                  <a:srgbClr val="24292F"/>
+                </a:solidFill>
+                <a:effectLst/>
+                <a:latin typeface="맑은 고딕" panose="020B0503020000020004" pitchFamily="50" charset="-127"/>
+                <a:ea typeface="맑은 고딕" panose="020B0503020000020004" pitchFamily="50" charset="-127"/>
+              </a:rPr>
+              <a:t>IP</a:t>
+            </a:r>
+            <a:r>
+              <a:rPr lang="ko-KR" altLang="en-US" sz="1400" i="0">
+                <a:solidFill>
+                  <a:srgbClr val="24292F"/>
+                </a:solidFill>
+                <a:effectLst/>
+                <a:latin typeface="맑은 고딕" panose="020B0503020000020004" pitchFamily="50" charset="-127"/>
+                <a:ea typeface="맑은 고딕" panose="020B0503020000020004" pitchFamily="50" charset="-127"/>
+              </a:rPr>
+              <a:t>주소  </a:t>
+            </a:r>
+            <a:r>
+              <a:rPr lang="en-US" altLang="ko-KR" sz="1400" i="0">
+                <a:solidFill>
+                  <a:srgbClr val="24292F"/>
+                </a:solidFill>
+                <a:effectLst/>
+                <a:latin typeface="맑은 고딕" panose="020B0503020000020004" pitchFamily="50" charset="-127"/>
+                <a:ea typeface="맑은 고딕" panose="020B0503020000020004" pitchFamily="50" charset="-127"/>
+              </a:rPr>
+              <a:t>/ </a:t>
+            </a:r>
+            <a:r>
+              <a:rPr lang="ko-KR" altLang="en-US" sz="1400" i="0">
+                <a:solidFill>
+                  <a:srgbClr val="24292F"/>
+                </a:solidFill>
+                <a:effectLst/>
+                <a:latin typeface="맑은 고딕" panose="020B0503020000020004" pitchFamily="50" charset="-127"/>
+                <a:ea typeface="맑은 고딕" panose="020B0503020000020004" pitchFamily="50" charset="-127"/>
+              </a:rPr>
+              <a:t>포트 번호</a:t>
+            </a:r>
+            <a:r>
+              <a:rPr lang="en-US" altLang="ko-KR" sz="1400" i="0">
+                <a:solidFill>
+                  <a:srgbClr val="24292F"/>
+                </a:solidFill>
+                <a:effectLst/>
+                <a:latin typeface="맑은 고딕" panose="020B0503020000020004" pitchFamily="50" charset="-127"/>
+                <a:ea typeface="맑은 고딕" panose="020B0503020000020004" pitchFamily="50" charset="-127"/>
+              </a:rPr>
+              <a:t>)</a:t>
+            </a:r>
+            <a:r>
+              <a:rPr lang="ko-KR" altLang="en-US" sz="1400" b="0" i="0">
+                <a:solidFill>
+                  <a:srgbClr val="24292F"/>
+                </a:solidFill>
+                <a:effectLst/>
+                <a:latin typeface="맑은 고딕" panose="020B0503020000020004" pitchFamily="50" charset="-127"/>
+                <a:ea typeface="맑은 고딕" panose="020B0503020000020004" pitchFamily="50" charset="-127"/>
+              </a:rPr>
+              <a:t>가 필요하다</a:t>
+            </a:r>
+            <a:r>
               <a:rPr lang="en-US" altLang="ko-KR" sz="1400" b="0" i="0">
                 <a:solidFill>
                   <a:srgbClr val="24292F"/>
@@ -14806,29 +14876,7 @@
                 <a:latin typeface="맑은 고딕" panose="020B0503020000020004" pitchFamily="50" charset="-127"/>
                 <a:ea typeface="맑은 고딕" panose="020B0503020000020004" pitchFamily="50" charset="-127"/>
               </a:rPr>
-              <a:t>IP </a:t>
-            </a:r>
-            <a:r>
-              <a:rPr lang="ko-KR" altLang="en-US" sz="1400" b="0" i="0">
-                <a:solidFill>
-                  <a:srgbClr val="24292F"/>
-                </a:solidFill>
-                <a:effectLst/>
-                <a:latin typeface="맑은 고딕" panose="020B0503020000020004" pitchFamily="50" charset="-127"/>
-                <a:ea typeface="맑은 고딕" panose="020B0503020000020004" pitchFamily="50" charset="-127"/>
-              </a:rPr>
-              <a:t>주소는 어느 컴퓨터인가만 식별하는데</a:t>
-            </a:r>
-            <a:r>
-              <a:rPr lang="en-US" altLang="ko-KR" sz="1400" b="0" i="0">
-                <a:solidFill>
-                  <a:srgbClr val="24292F"/>
-                </a:solidFill>
-                <a:effectLst/>
-                <a:latin typeface="맑은 고딕" panose="020B0503020000020004" pitchFamily="50" charset="-127"/>
-                <a:ea typeface="맑은 고딕" panose="020B0503020000020004" pitchFamily="50" charset="-127"/>
-              </a:rPr>
-              <a:t>,</a:t>
+              <a:t>.</a:t>
             </a:r>
             <a:br>
               <a:rPr lang="en-US" altLang="ko-KR" sz="1400" b="0" i="0">
@@ -14840,6 +14888,16 @@
                 <a:ea typeface="맑은 고딕" panose="020B0503020000020004" pitchFamily="50" charset="-127"/>
               </a:rPr>
             </a:br>
+            <a:br>
+              <a:rPr lang="en-US" altLang="ko-KR" sz="1400" b="0" i="0">
+                <a:solidFill>
+                  <a:srgbClr val="24292F"/>
+                </a:solidFill>
+                <a:effectLst/>
+                <a:latin typeface="맑은 고딕" panose="020B0503020000020004" pitchFamily="50" charset="-127"/>
+                <a:ea typeface="맑은 고딕" panose="020B0503020000020004" pitchFamily="50" charset="-127"/>
+              </a:rPr>
+            </a:br>
             <a:r>
               <a:rPr lang="ko-KR" altLang="en-US" sz="1400" b="0" i="0">
                 <a:solidFill>
@@ -14849,225 +14907,73 @@
                 <a:latin typeface="맑은 고딕" panose="020B0503020000020004" pitchFamily="50" charset="-127"/>
                 <a:ea typeface="맑은 고딕" panose="020B0503020000020004" pitchFamily="50" charset="-127"/>
               </a:rPr>
-              <a:t>포트 번호가로 어느 소켓인가를 식별해야한다</a:t>
-            </a:r>
-            <a:r>
-              <a:rPr lang="en-US" altLang="ko-KR" sz="1400" b="0" i="0">
-                <a:solidFill>
-                  <a:srgbClr val="24292F"/>
-                </a:solidFill>
-                <a:effectLst/>
+              <a:t>디스크립터는 </a:t>
+            </a:r>
+            <a:r>
+              <a:rPr lang="ko-KR" altLang="en-US" sz="1400">
+                <a:solidFill>
+                  <a:srgbClr val="24292F"/>
+                </a:solidFill>
+                <a:latin typeface="맑은 고딕" panose="020B0503020000020004" pitchFamily="50" charset="-127"/>
+                <a:ea typeface="맑은 고딕" panose="020B0503020000020004" pitchFamily="50" charset="-127"/>
+              </a:rPr>
+              <a:t>데이터 송</a:t>
+            </a:r>
+            <a:r>
+              <a:rPr lang="en-US" altLang="ko-KR" sz="1400">
+                <a:solidFill>
+                  <a:srgbClr val="24292F"/>
+                </a:solidFill>
+                <a:latin typeface="맑은 고딕" panose="020B0503020000020004" pitchFamily="50" charset="-127"/>
+                <a:ea typeface="맑은 고딕" panose="020B0503020000020004" pitchFamily="50" charset="-127"/>
+              </a:rPr>
+              <a:t>·</a:t>
+            </a:r>
+            <a:r>
+              <a:rPr lang="ko-KR" altLang="en-US" sz="1400">
+                <a:solidFill>
+                  <a:srgbClr val="24292F"/>
+                </a:solidFill>
+                <a:latin typeface="맑은 고딕" panose="020B0503020000020004" pitchFamily="50" charset="-127"/>
+                <a:ea typeface="맑은 고딕" panose="020B0503020000020004" pitchFamily="50" charset="-127"/>
+              </a:rPr>
+              <a:t>수신 동작이</a:t>
+            </a:r>
+            <a:r>
+              <a:rPr lang="en-US" altLang="ko-KR" sz="1400">
+                <a:solidFill>
+                  <a:srgbClr val="24292F"/>
+                </a:solidFill>
+                <a:latin typeface="맑은 고딕" panose="020B0503020000020004" pitchFamily="50" charset="-127"/>
+                <a:ea typeface="맑은 고딕" panose="020B0503020000020004" pitchFamily="50" charset="-127"/>
+              </a:rPr>
+              <a:t> </a:t>
+            </a:r>
+            <a:r>
+              <a:rPr lang="ko-KR" altLang="en-US" sz="1400">
+                <a:solidFill>
+                  <a:srgbClr val="24292F"/>
+                </a:solidFill>
+                <a:latin typeface="맑은 고딕" panose="020B0503020000020004" pitchFamily="50" charset="-127"/>
+                <a:ea typeface="맑은 고딕" panose="020B0503020000020004" pitchFamily="50" charset="-127"/>
+              </a:rPr>
+              <a:t>동시에 이뤄질 시 브라우저 단에서 소켓을 식별하기 위해 사용한다</a:t>
+            </a:r>
+            <a:r>
+              <a:rPr lang="en-US" altLang="ko-KR" sz="1400">
+                <a:solidFill>
+                  <a:srgbClr val="24292F"/>
+                </a:solidFill>
                 <a:latin typeface="맑은 고딕" panose="020B0503020000020004" pitchFamily="50" charset="-127"/>
                 <a:ea typeface="맑은 고딕" panose="020B0503020000020004" pitchFamily="50" charset="-127"/>
               </a:rPr>
               <a:t>.</a:t>
             </a:r>
-          </a:p>
-        </p:txBody>
-      </p:sp>
-      <p:sp>
-        <p:nvSpPr>
-          <p:cNvPr id="16" name="TextBox 15">
-            <a:extLst>
-              <a:ext uri="{FF2B5EF4-FFF2-40B4-BE49-F238E27FC236}">
-                <a16:creationId xmlns:a16="http://schemas.microsoft.com/office/drawing/2014/main" id="{22CBD909-352B-4400-BD23-BEEAB1E43018}"/>
-              </a:ext>
-            </a:extLst>
-          </p:cNvPr>
-          <p:cNvSpPr txBox="1">
-            <a:spLocks noChangeArrowheads="1"/>
-          </p:cNvSpPr>
-          <p:nvPr/>
-        </p:nvSpPr>
-        <p:spPr bwMode="auto">
-          <a:xfrm>
-            <a:off x="5940152" y="4189739"/>
-            <a:ext cx="3127376" cy="1255728"/>
-          </a:xfrm>
-          <a:prstGeom prst="rect">
-            <a:avLst/>
-          </a:prstGeom>
-          <a:noFill/>
-          <a:ln w="9525">
-            <a:solidFill>
-              <a:srgbClr val="000000"/>
-            </a:solidFill>
-            <a:miter lim="800000"/>
-            <a:headEnd/>
-            <a:tailEnd/>
-          </a:ln>
-          <a:extLst>
-            <a:ext uri="{909E8E84-426E-40DD-AFC4-6F175D3DCCD1}">
-              <a14:hiddenFill xmlns:a14="http://schemas.microsoft.com/office/drawing/2010/main">
-                <a:solidFill>
-                  <a:srgbClr val="FFFFFF"/>
-                </a:solidFill>
-              </a14:hiddenFill>
-            </a:ext>
-          </a:extLst>
-        </p:spPr>
-        <p:txBody>
-          <a:bodyPr wrap="square">
-            <a:spAutoFit/>
-          </a:bodyPr>
-          <a:lstStyle>
-            <a:lvl1pPr>
-              <a:spcBef>
-                <a:spcPct val="20000"/>
-              </a:spcBef>
-              <a:buChar char="•"/>
-              <a:defRPr sz="3200">
-                <a:solidFill>
-                  <a:schemeClr val="tx1"/>
-                </a:solidFill>
-                <a:latin typeface="Arial" panose="020B0604020202020204" pitchFamily="34" charset="0"/>
-                <a:ea typeface="Arial Unicode MS" panose="020B0604020202020204" pitchFamily="50" charset="-127"/>
-                <a:cs typeface="Arial" panose="020B0604020202020204" pitchFamily="34" charset="0"/>
-              </a:defRPr>
-            </a:lvl1pPr>
-            <a:lvl2pPr marL="742950" indent="-285750">
-              <a:spcBef>
-                <a:spcPct val="20000"/>
-              </a:spcBef>
-              <a:buChar char="–"/>
-              <a:defRPr sz="2800">
-                <a:solidFill>
-                  <a:schemeClr val="tx1"/>
-                </a:solidFill>
-                <a:latin typeface="Arial" panose="020B0604020202020204" pitchFamily="34" charset="0"/>
-                <a:ea typeface="Arial Unicode MS" panose="020B0604020202020204" pitchFamily="50" charset="-127"/>
-                <a:cs typeface="Arial" panose="020B0604020202020204" pitchFamily="34" charset="0"/>
-              </a:defRPr>
-            </a:lvl2pPr>
-            <a:lvl3pPr marL="1143000" indent="-228600">
-              <a:spcBef>
-                <a:spcPct val="20000"/>
-              </a:spcBef>
-              <a:buChar char="•"/>
-              <a:defRPr sz="2400">
-                <a:solidFill>
-                  <a:schemeClr val="tx1"/>
-                </a:solidFill>
-                <a:latin typeface="Arial" panose="020B0604020202020204" pitchFamily="34" charset="0"/>
-                <a:ea typeface="Arial Unicode MS" panose="020B0604020202020204" pitchFamily="50" charset="-127"/>
-                <a:cs typeface="Arial" panose="020B0604020202020204" pitchFamily="34" charset="0"/>
-              </a:defRPr>
-            </a:lvl3pPr>
-            <a:lvl4pPr marL="1600200" indent="-228600">
-              <a:spcBef>
-                <a:spcPct val="20000"/>
-              </a:spcBef>
-              <a:buChar char="–"/>
-              <a:defRPr sz="2000">
-                <a:solidFill>
-                  <a:schemeClr val="tx1"/>
-                </a:solidFill>
-                <a:latin typeface="Arial" panose="020B0604020202020204" pitchFamily="34" charset="0"/>
-                <a:ea typeface="Arial Unicode MS" panose="020B0604020202020204" pitchFamily="50" charset="-127"/>
-                <a:cs typeface="Arial" panose="020B0604020202020204" pitchFamily="34" charset="0"/>
-              </a:defRPr>
-            </a:lvl4pPr>
-            <a:lvl5pPr marL="2057400" indent="-228600">
-              <a:spcBef>
-                <a:spcPct val="20000"/>
-              </a:spcBef>
-              <a:buChar char="»"/>
-              <a:defRPr sz="2000">
-                <a:solidFill>
-                  <a:schemeClr val="tx1"/>
-                </a:solidFill>
-                <a:latin typeface="Arial" panose="020B0604020202020204" pitchFamily="34" charset="0"/>
-                <a:ea typeface="Arial Unicode MS" panose="020B0604020202020204" pitchFamily="50" charset="-127"/>
-                <a:cs typeface="Arial" panose="020B0604020202020204" pitchFamily="34" charset="0"/>
-              </a:defRPr>
-            </a:lvl5pPr>
-            <a:lvl6pPr marL="2514600" indent="-228600" eaLnBrk="0" fontAlgn="base" hangingPunct="0">
-              <a:spcBef>
-                <a:spcPct val="20000"/>
-              </a:spcBef>
-              <a:spcAft>
-                <a:spcPct val="0"/>
-              </a:spcAft>
-              <a:buChar char="»"/>
-              <a:defRPr sz="2000">
-                <a:solidFill>
-                  <a:schemeClr val="tx1"/>
-                </a:solidFill>
-                <a:latin typeface="Arial" panose="020B0604020202020204" pitchFamily="34" charset="0"/>
-                <a:ea typeface="Arial Unicode MS" panose="020B0604020202020204" pitchFamily="50" charset="-127"/>
-                <a:cs typeface="Arial" panose="020B0604020202020204" pitchFamily="34" charset="0"/>
-              </a:defRPr>
-            </a:lvl6pPr>
-            <a:lvl7pPr marL="2971800" indent="-228600" eaLnBrk="0" fontAlgn="base" hangingPunct="0">
-              <a:spcBef>
-                <a:spcPct val="20000"/>
-              </a:spcBef>
-              <a:spcAft>
-                <a:spcPct val="0"/>
-              </a:spcAft>
-              <a:buChar char="»"/>
-              <a:defRPr sz="2000">
-                <a:solidFill>
-                  <a:schemeClr val="tx1"/>
-                </a:solidFill>
-                <a:latin typeface="Arial" panose="020B0604020202020204" pitchFamily="34" charset="0"/>
-                <a:ea typeface="Arial Unicode MS" panose="020B0604020202020204" pitchFamily="50" charset="-127"/>
-                <a:cs typeface="Arial" panose="020B0604020202020204" pitchFamily="34" charset="0"/>
-              </a:defRPr>
-            </a:lvl7pPr>
-            <a:lvl8pPr marL="3429000" indent="-228600" eaLnBrk="0" fontAlgn="base" hangingPunct="0">
-              <a:spcBef>
-                <a:spcPct val="20000"/>
-              </a:spcBef>
-              <a:spcAft>
-                <a:spcPct val="0"/>
-              </a:spcAft>
-              <a:buChar char="»"/>
-              <a:defRPr sz="2000">
-                <a:solidFill>
-                  <a:schemeClr val="tx1"/>
-                </a:solidFill>
-                <a:latin typeface="Arial" panose="020B0604020202020204" pitchFamily="34" charset="0"/>
-                <a:ea typeface="Arial Unicode MS" panose="020B0604020202020204" pitchFamily="50" charset="-127"/>
-                <a:cs typeface="Arial" panose="020B0604020202020204" pitchFamily="34" charset="0"/>
-              </a:defRPr>
-            </a:lvl8pPr>
-            <a:lvl9pPr marL="3886200" indent="-228600" eaLnBrk="0" fontAlgn="base" hangingPunct="0">
-              <a:spcBef>
-                <a:spcPct val="20000"/>
-              </a:spcBef>
-              <a:spcAft>
-                <a:spcPct val="0"/>
-              </a:spcAft>
-              <a:buChar char="»"/>
-              <a:defRPr sz="2000">
-                <a:solidFill>
-                  <a:schemeClr val="tx1"/>
-                </a:solidFill>
-                <a:latin typeface="Arial" panose="020B0604020202020204" pitchFamily="34" charset="0"/>
-                <a:ea typeface="Arial Unicode MS" panose="020B0604020202020204" pitchFamily="50" charset="-127"/>
-                <a:cs typeface="Arial" panose="020B0604020202020204" pitchFamily="34" charset="0"/>
-              </a:defRPr>
-            </a:lvl9pPr>
-          </a:lstStyle>
-          <a:p>
-            <a:pPr>
-              <a:buNone/>
-            </a:pPr>
-            <a:r>
-              <a:rPr lang="ko-KR" altLang="en-US" sz="1400" b="1">
-                <a:solidFill>
-                  <a:srgbClr val="24292F"/>
-                </a:solidFill>
-                <a:latin typeface="맑은 고딕" panose="020B0503020000020004" pitchFamily="50" charset="-127"/>
-                <a:ea typeface="맑은 고딕" panose="020B0503020000020004" pitchFamily="50" charset="-127"/>
-              </a:rPr>
-              <a:t>🤔 디스크립터</a:t>
-            </a:r>
-            <a:endParaRPr lang="en-US" altLang="ko-KR" sz="1400" b="1">
+            <a:endParaRPr lang="en-US" altLang="ko-KR" sz="1400" b="0" i="0">
               <a:solidFill>
                 <a:srgbClr val="24292F"/>
               </a:solidFill>
+              <a:effectLst/>
               <a:latin typeface="맑은 고딕" panose="020B0503020000020004" pitchFamily="50" charset="-127"/>
               <a:ea typeface="맑은 고딕" panose="020B0503020000020004" pitchFamily="50" charset="-127"/>
             </a:endParaRPr>
@@ -15077,90 +14983,96 @@
               <a:buNone/>
             </a:pPr>
             <a:br>
-              <a:rPr lang="en-US" altLang="ko-KR" sz="1400">
-                <a:solidFill>
-                  <a:srgbClr val="24292F"/>
-                </a:solidFill>
+              <a:rPr lang="en-US" altLang="ko-KR" sz="1400" b="0" i="0">
+                <a:solidFill>
+                  <a:srgbClr val="24292F"/>
+                </a:solidFill>
+                <a:effectLst/>
                 <a:latin typeface="맑은 고딕" panose="020B0503020000020004" pitchFamily="50" charset="-127"/>
                 <a:ea typeface="맑은 고딕" panose="020B0503020000020004" pitchFamily="50" charset="-127"/>
               </a:rPr>
             </a:br>
             <a:r>
-              <a:rPr lang="ko-KR" altLang="en-US" sz="1400">
-                <a:solidFill>
-                  <a:srgbClr val="24292F"/>
-                </a:solidFill>
-                <a:latin typeface="맑은 고딕" panose="020B0503020000020004" pitchFamily="50" charset="-127"/>
-                <a:ea typeface="맑은 고딕" panose="020B0503020000020004" pitchFamily="50" charset="-127"/>
-              </a:rPr>
-              <a:t>데이터 송</a:t>
-            </a:r>
-            <a:r>
-              <a:rPr lang="en-US" altLang="ko-KR" sz="1400">
-                <a:solidFill>
-                  <a:srgbClr val="24292F"/>
-                </a:solidFill>
-                <a:latin typeface="맑은 고딕" panose="020B0503020000020004" pitchFamily="50" charset="-127"/>
-                <a:ea typeface="맑은 고딕" panose="020B0503020000020004" pitchFamily="50" charset="-127"/>
-              </a:rPr>
-              <a:t>·</a:t>
-            </a:r>
-            <a:r>
-              <a:rPr lang="ko-KR" altLang="en-US" sz="1400">
-                <a:solidFill>
-                  <a:srgbClr val="24292F"/>
-                </a:solidFill>
-                <a:latin typeface="맑은 고딕" panose="020B0503020000020004" pitchFamily="50" charset="-127"/>
-                <a:ea typeface="맑은 고딕" panose="020B0503020000020004" pitchFamily="50" charset="-127"/>
-              </a:rPr>
-              <a:t>수신 동작이</a:t>
+              <a:rPr lang="ko-KR" altLang="en-US" sz="1400" b="0" i="0">
+                <a:solidFill>
+                  <a:srgbClr val="24292F"/>
+                </a:solidFill>
+                <a:effectLst/>
+                <a:latin typeface="맑은 고딕" panose="020B0503020000020004" pitchFamily="50" charset="-127"/>
+                <a:ea typeface="맑은 고딕" panose="020B0503020000020004" pitchFamily="50" charset="-127"/>
+              </a:rPr>
+              <a:t>서버 </a:t>
+            </a:r>
+            <a:r>
+              <a:rPr lang="en-US" altLang="ko-KR" sz="1400" b="0" i="0">
+                <a:solidFill>
+                  <a:srgbClr val="24292F"/>
+                </a:solidFill>
+                <a:effectLst/>
+                <a:latin typeface="맑은 고딕" panose="020B0503020000020004" pitchFamily="50" charset="-127"/>
+                <a:ea typeface="맑은 고딕" panose="020B0503020000020004" pitchFamily="50" charset="-127"/>
+              </a:rPr>
+              <a:t>IP </a:t>
+            </a:r>
+            <a:r>
+              <a:rPr lang="ko-KR" altLang="en-US" sz="1400" b="0" i="0">
+                <a:solidFill>
+                  <a:srgbClr val="24292F"/>
+                </a:solidFill>
+                <a:effectLst/>
+                <a:latin typeface="맑은 고딕" panose="020B0503020000020004" pitchFamily="50" charset="-127"/>
+                <a:ea typeface="맑은 고딕" panose="020B0503020000020004" pitchFamily="50" charset="-127"/>
+              </a:rPr>
+              <a:t>주소는 어느 컴퓨터인가만 식별하고</a:t>
+            </a:r>
+            <a:r>
+              <a:rPr lang="en-US" altLang="ko-KR" sz="1400" b="0" i="0">
+                <a:solidFill>
+                  <a:srgbClr val="24292F"/>
+                </a:solidFill>
+                <a:effectLst/>
+                <a:latin typeface="맑은 고딕" panose="020B0503020000020004" pitchFamily="50" charset="-127"/>
+                <a:ea typeface="맑은 고딕" panose="020B0503020000020004" pitchFamily="50" charset="-127"/>
+              </a:rPr>
+              <a:t>,</a:t>
             </a:r>
             <a:br>
-              <a:rPr lang="en-US" altLang="ko-KR" sz="1400">
-                <a:solidFill>
-                  <a:srgbClr val="24292F"/>
-                </a:solidFill>
+              <a:rPr lang="en-US" altLang="ko-KR" sz="1400" b="0" i="0">
+                <a:solidFill>
+                  <a:srgbClr val="24292F"/>
+                </a:solidFill>
+                <a:effectLst/>
                 <a:latin typeface="맑은 고딕" panose="020B0503020000020004" pitchFamily="50" charset="-127"/>
                 <a:ea typeface="맑은 고딕" panose="020B0503020000020004" pitchFamily="50" charset="-127"/>
               </a:rPr>
             </a:br>
-            <a:r>
-              <a:rPr lang="ko-KR" altLang="en-US" sz="1400">
-                <a:solidFill>
-                  <a:srgbClr val="24292F"/>
-                </a:solidFill>
-                <a:latin typeface="맑은 고딕" panose="020B0503020000020004" pitchFamily="50" charset="-127"/>
-                <a:ea typeface="맑은 고딕" panose="020B0503020000020004" pitchFamily="50" charset="-127"/>
-              </a:rPr>
-              <a:t>동시에 이뤄질 시 브라우저 단에서     </a:t>
-            </a:r>
-            <a:endParaRPr lang="en-US" altLang="ko-KR" sz="1400">
-              <a:solidFill>
-                <a:srgbClr val="24292F"/>
-              </a:solidFill>
-              <a:latin typeface="맑은 고딕" panose="020B0503020000020004" pitchFamily="50" charset="-127"/>
-              <a:ea typeface="맑은 고딕" panose="020B0503020000020004" pitchFamily="50" charset="-127"/>
-            </a:endParaRPr>
-          </a:p>
-          <a:p>
-            <a:pPr>
-              <a:buNone/>
-            </a:pPr>
-            <a:r>
-              <a:rPr lang="ko-KR" altLang="en-US" sz="1400">
-                <a:solidFill>
-                  <a:srgbClr val="24292F"/>
-                </a:solidFill>
-                <a:latin typeface="맑은 고딕" panose="020B0503020000020004" pitchFamily="50" charset="-127"/>
-                <a:ea typeface="맑은 고딕" panose="020B0503020000020004" pitchFamily="50" charset="-127"/>
-              </a:rPr>
-              <a:t>소켓을 식별하기 위해 사용한다</a:t>
-            </a:r>
-            <a:r>
-              <a:rPr lang="en-US" altLang="ko-KR" sz="1400">
-                <a:solidFill>
-                  <a:srgbClr val="24292F"/>
-                </a:solidFill>
+            <a:br>
+              <a:rPr lang="en-US" altLang="ko-KR" sz="1400" b="0" i="0">
+                <a:solidFill>
+                  <a:srgbClr val="24292F"/>
+                </a:solidFill>
+                <a:effectLst/>
+                <a:latin typeface="맑은 고딕" panose="020B0503020000020004" pitchFamily="50" charset="-127"/>
+                <a:ea typeface="맑은 고딕" panose="020B0503020000020004" pitchFamily="50" charset="-127"/>
+              </a:rPr>
+            </a:br>
+            <a:r>
+              <a:rPr lang="ko-KR" altLang="en-US" sz="1400" b="0" i="0">
+                <a:solidFill>
+                  <a:srgbClr val="24292F"/>
+                </a:solidFill>
+                <a:effectLst/>
+                <a:latin typeface="맑은 고딕" panose="020B0503020000020004" pitchFamily="50" charset="-127"/>
+                <a:ea typeface="맑은 고딕" panose="020B0503020000020004" pitchFamily="50" charset="-127"/>
+              </a:rPr>
+              <a:t>포트 번호로 어느 소켓인가를 식별해야한다</a:t>
+            </a:r>
+            <a:r>
+              <a:rPr lang="en-US" altLang="ko-KR" sz="1400" b="0" i="0">
+                <a:solidFill>
+                  <a:srgbClr val="24292F"/>
+                </a:solidFill>
+                <a:effectLst/>
                 <a:latin typeface="맑은 고딕" panose="020B0503020000020004" pitchFamily="50" charset="-127"/>
                 <a:ea typeface="맑은 고딕" panose="020B0503020000020004" pitchFamily="50" charset="-127"/>
               </a:rPr>
@@ -15298,33 +15210,6 @@
                                   </p:childTnLst>
                                 </p:cTn>
                               </p:par>
-                              <p:par>
-                                <p:cTn id="13" presetID="1" presetClass="entr" presetSubtype="0" fill="hold" grpId="0" nodeType="withEffect">
-                                  <p:stCondLst>
-                                    <p:cond delay="0"/>
-                                  </p:stCondLst>
-                                  <p:childTnLst>
-                                    <p:set>
-                                      <p:cBhvr>
-                                        <p:cTn id="14" dur="1" fill="hold">
-                                          <p:stCondLst>
-                                            <p:cond delay="0"/>
-                                          </p:stCondLst>
-                                        </p:cTn>
-                                        <p:tgtEl>
-                                          <p:spTgt spid="16"/>
-                                        </p:tgtEl>
-                                        <p:attrNameLst>
-                                          <p:attrName>style.visibility</p:attrName>
-                                        </p:attrNameLst>
-                                      </p:cBhvr>
-                                      <p:to>
-                                        <p:strVal val="visible"/>
-                                      </p:to>
-                                    </p:set>
-                                  </p:childTnLst>
-                                </p:cTn>
-                              </p:par>
                             </p:childTnLst>
                           </p:cTn>
                         </p:par>
@@ -15332,26 +15217,26 @@
                     </p:cTn>
                   </p:par>
                   <p:par>
-                    <p:cTn id="15" fill="hold">
+                    <p:cTn id="13" fill="hold">
                       <p:stCondLst>
                         <p:cond delay="indefinite"/>
                       </p:stCondLst>
                       <p:childTnLst>
                         <p:par>
-                          <p:cTn id="16" fill="hold">
+                          <p:cTn id="14" fill="hold">
                             <p:stCondLst>
                               <p:cond delay="0"/>
                             </p:stCondLst>
                             <p:childTnLst>
                               <p:par>
-                                <p:cTn id="17" presetID="1" presetClass="entr" presetSubtype="0" fill="hold" grpId="0" nodeType="clickEffect">
+                                <p:cTn id="15" presetID="1" presetClass="entr" presetSubtype="0" fill="hold" grpId="0" nodeType="clickEffect">
                                   <p:stCondLst>
                                     <p:cond delay="0"/>
                                   </p:stCondLst>
                                   <p:childTnLst>
                                     <p:set>
                                       <p:cBhvr>
-                                        <p:cTn id="18" dur="1" fill="hold">
+                                        <p:cTn id="16" dur="1" fill="hold">
                                           <p:stCondLst>
                                             <p:cond delay="0"/>
                                           </p:stCondLst>
@@ -15377,26 +15262,26 @@
                     </p:cTn>
                   </p:par>
                   <p:par>
-                    <p:cTn id="19" fill="hold">
+                    <p:cTn id="17" fill="hold">
                       <p:stCondLst>
                         <p:cond delay="indefinite"/>
                       </p:stCondLst>
                       <p:childTnLst>
                         <p:par>
-                          <p:cTn id="20" fill="hold">
+                          <p:cTn id="18" fill="hold">
                             <p:stCondLst>
                               <p:cond delay="0"/>
                             </p:stCondLst>
                             <p:childTnLst>
                               <p:par>
-                                <p:cTn id="21" presetID="1" presetClass="entr" presetSubtype="0" fill="hold" grpId="0" nodeType="clickEffect">
+                                <p:cTn id="19" presetID="1" presetClass="entr" presetSubtype="0" fill="hold" grpId="0" nodeType="clickEffect">
                                   <p:stCondLst>
                                     <p:cond delay="0"/>
                                   </p:stCondLst>
                                   <p:childTnLst>
                                     <p:set>
                                       <p:cBhvr>
-                                        <p:cTn id="22" dur="1" fill="hold">
+                                        <p:cTn id="20" dur="1" fill="hold">
                                           <p:stCondLst>
                                             <p:cond delay="0"/>
                                           </p:stCondLst>
@@ -15448,7 +15333,6 @@
       <p:bldP spid="10" grpId="0"/>
       <p:bldP spid="12" grpId="0" animBg="1"/>
       <p:bldP spid="15" grpId="0"/>
-      <p:bldP spid="16" grpId="0" animBg="1"/>
     </p:bldLst>
   </p:timing>
 </p:sld>
@@ -15473,49 +15357,103 @@
       </p:grpSpPr>
       <p:sp>
         <p:nvSpPr>
-          <p:cNvPr id="9" name="Rectangle 150">
+          <p:cNvPr id="5122" name="Rectangle 2">
             <a:extLst>
               <a:ext uri="{FF2B5EF4-FFF2-40B4-BE49-F238E27FC236}">
-                <a16:creationId xmlns:a16="http://schemas.microsoft.com/office/drawing/2014/main" id="{B6D2B44A-A8AF-419F-A2C5-7317925249E9}"/>
+                <a16:creationId xmlns:a16="http://schemas.microsoft.com/office/drawing/2014/main" id="{5A5441BC-21C9-4C4E-8617-73A39EC832C7}"/>
               </a:ext>
             </a:extLst>
           </p:cNvPr>
-          <p:cNvSpPr txBox="1">
-            <a:spLocks noChangeArrowheads="1"/>
+          <p:cNvSpPr>
+            <a:spLocks noGrp="1" noChangeArrowheads="1"/>
           </p:cNvSpPr>
+          <p:nvPr>
+            <p:ph type="title"/>
+          </p:nvPr>
+        </p:nvSpPr>
+        <p:spPr>
+          <a:xfrm>
+            <a:off x="457200" y="188913"/>
+            <a:ext cx="8229600" cy="1295400"/>
+          </a:xfrm>
+        </p:spPr>
+        <p:txBody>
+          <a:bodyPr/>
+          <a:lstStyle/>
+          <a:p>
+            <a:pPr algn="l"/>
+            <a:r>
+              <a:rPr lang="ko-KR" altLang="en-US" sz="3200" i="0">
+                <a:solidFill>
+                  <a:srgbClr val="24292F"/>
+                </a:solidFill>
+                <a:effectLst/>
+                <a:latin typeface="-apple-system"/>
+              </a:rPr>
+              <a:t>프로토콜 스택에 </a:t>
+            </a:r>
+            <a:r>
+              <a:rPr lang="ko-KR" altLang="en-US" sz="3200">
+                <a:solidFill>
+                  <a:srgbClr val="24292F"/>
+                </a:solidFill>
+                <a:latin typeface="-apple-system"/>
+              </a:rPr>
+              <a:t>메시지 송신을 의뢰한다</a:t>
+            </a:r>
+            <a:r>
+              <a:rPr lang="en-US" altLang="ko-KR" sz="3200">
+                <a:solidFill>
+                  <a:srgbClr val="24292F"/>
+                </a:solidFill>
+                <a:latin typeface="-apple-system"/>
+              </a:rPr>
+              <a:t>.</a:t>
+            </a:r>
+            <a:endParaRPr lang="en-US" altLang="ko-KR" sz="3200" i="0">
+              <a:solidFill>
+                <a:srgbClr val="24292F"/>
+              </a:solidFill>
+              <a:effectLst/>
+              <a:latin typeface="-apple-system"/>
+            </a:endParaRPr>
+          </a:p>
+        </p:txBody>
+      </p:sp>
+      <p:cxnSp>
+        <p:nvCxnSpPr>
+          <p:cNvPr id="3" name="직선 연결선 2">
+            <a:extLst>
+              <a:ext uri="{FF2B5EF4-FFF2-40B4-BE49-F238E27FC236}">
+                <a16:creationId xmlns:a16="http://schemas.microsoft.com/office/drawing/2014/main" id="{00016A16-78F9-4CDB-B5A3-E7D1D56285D2}"/>
+              </a:ext>
+            </a:extLst>
+          </p:cNvPr>
+          <p:cNvCxnSpPr/>
           <p:nvPr/>
-        </p:nvSpPr>
+        </p:nvCxnSpPr>
         <p:spPr bwMode="auto">
           <a:xfrm>
-            <a:off x="2159793" y="2781300"/>
-            <a:ext cx="4824413" cy="647700"/>
+            <a:off x="575556" y="1268760"/>
+            <a:ext cx="7992888" cy="0"/>
           </a:xfrm>
-          <a:prstGeom prst="rect">
+          <a:prstGeom prst="line">
             <a:avLst/>
           </a:prstGeom>
-          <a:noFill/>
-          <a:ln>
-            <a:noFill/>
+          <a:solidFill>
+            <a:schemeClr val="accent1"/>
+          </a:solidFill>
+          <a:ln w="25400" cap="flat" cmpd="sng" algn="ctr">
+            <a:solidFill>
+              <a:schemeClr val="tx1"/>
+            </a:solidFill>
+            <a:prstDash val="solid"/>
+            <a:round/>
+            <a:headEnd type="none" w="med" len="med"/>
+            <a:tailEnd type="none" w="med" len="med"/>
           </a:ln>
           <a:effectLst/>
           <a:extLst>
-            <a:ext uri="{909E8E84-426E-40DD-AFC4-6F175D3DCCD1}">
-              <a14:hiddenFill xmlns:a14="http://schemas.microsoft.com/office/drawing/2010/main">
-                <a:solidFill>
-                  <a:schemeClr val="accent1"/>
-                </a:solidFill>
-              </a14:hiddenFill>
-            </a:ext>
-            <a:ext uri="{91240B29-F687-4F45-9708-019B960494DF}">
-              <a14:hiddenLine xmlns:a14="http://schemas.microsoft.com/office/drawing/2010/main" w="9525">
-                <a:solidFill>
-                  <a:schemeClr val="tx1"/>
-                </a:solidFill>
-                <a:miter lim="800000"/>
-                <a:headEnd/>
-                <a:tailEnd/>
-              </a14:hiddenLine>
-            </a:ext>
             <a:ext uri="{AF507438-7753-43E0-B8FC-AC1667EBCBE1}">
               <a14:hiddenEffects xmlns:a14="http://schemas.microsoft.com/office/drawing/2010/main">
                 <a:effectLst>
@@ -15527,171 +15465,874 @@
             </a:ext>
           </a:extLst>
         </p:spPr>
+      </p:cxnSp>
+      <p:sp>
+        <p:nvSpPr>
+          <p:cNvPr id="17" name="TextBox 16">
+            <a:extLst>
+              <a:ext uri="{FF2B5EF4-FFF2-40B4-BE49-F238E27FC236}">
+                <a16:creationId xmlns:a16="http://schemas.microsoft.com/office/drawing/2014/main" id="{7D74C534-005A-4531-B6BC-0083A443711A}"/>
+              </a:ext>
+            </a:extLst>
+          </p:cNvPr>
+          <p:cNvSpPr txBox="1">
+            <a:spLocks noChangeArrowheads="1"/>
+          </p:cNvSpPr>
+          <p:nvPr/>
+        </p:nvSpPr>
+        <p:spPr bwMode="auto">
+          <a:xfrm>
+            <a:off x="575556" y="1438201"/>
+            <a:ext cx="8229600" cy="307777"/>
+          </a:xfrm>
+          <a:prstGeom prst="rect">
+            <a:avLst/>
+          </a:prstGeom>
+          <a:noFill/>
+          <a:ln>
+            <a:noFill/>
+          </a:ln>
+          <a:extLst>
+            <a:ext uri="{909E8E84-426E-40DD-AFC4-6F175D3DCCD1}">
+              <a14:hiddenFill xmlns:a14="http://schemas.microsoft.com/office/drawing/2010/main">
+                <a:solidFill>
+                  <a:srgbClr val="FFFFFF"/>
+                </a:solidFill>
+              </a14:hiddenFill>
+            </a:ext>
+            <a:ext uri="{91240B29-F687-4F45-9708-019B960494DF}">
+              <a14:hiddenLine xmlns:a14="http://schemas.microsoft.com/office/drawing/2010/main" w="9525">
+                <a:solidFill>
+                  <a:srgbClr val="000000"/>
+                </a:solidFill>
+                <a:miter lim="800000"/>
+                <a:headEnd/>
+                <a:tailEnd/>
+              </a14:hiddenLine>
+            </a:ext>
+          </a:extLst>
+        </p:spPr>
         <p:txBody>
-          <a:bodyPr vert="horz" wrap="square" lIns="91440" tIns="45720" rIns="91440" bIns="45720" numCol="1" anchor="ctr" anchorCtr="0" compatLnSpc="1">
-            <a:prstTxWarp prst="textNoShape">
-              <a:avLst/>
-            </a:prstTxWarp>
+          <a:bodyPr>
+            <a:spAutoFit/>
           </a:bodyPr>
           <a:lstStyle>
-            <a:lvl1pPr algn="ctr" rtl="0" eaLnBrk="0" fontAlgn="base" hangingPunct="0">
-              <a:spcBef>
-                <a:spcPct val="0"/>
+            <a:lvl1pPr>
+              <a:spcBef>
+                <a:spcPct val="20000"/>
+              </a:spcBef>
+              <a:buChar char="•"/>
+              <a:defRPr sz="3200">
+                <a:solidFill>
+                  <a:schemeClr val="tx1"/>
+                </a:solidFill>
+                <a:latin typeface="Arial" panose="020B0604020202020204" pitchFamily="34" charset="0"/>
+                <a:ea typeface="Arial Unicode MS" panose="020B0604020202020204" pitchFamily="50" charset="-127"/>
+                <a:cs typeface="Arial" panose="020B0604020202020204" pitchFamily="34" charset="0"/>
+              </a:defRPr>
+            </a:lvl1pPr>
+            <a:lvl2pPr marL="742950" indent="-285750">
+              <a:spcBef>
+                <a:spcPct val="20000"/>
+              </a:spcBef>
+              <a:buChar char="–"/>
+              <a:defRPr sz="2800">
+                <a:solidFill>
+                  <a:schemeClr val="tx1"/>
+                </a:solidFill>
+                <a:latin typeface="Arial" panose="020B0604020202020204" pitchFamily="34" charset="0"/>
+                <a:ea typeface="Arial Unicode MS" panose="020B0604020202020204" pitchFamily="50" charset="-127"/>
+                <a:cs typeface="Arial" panose="020B0604020202020204" pitchFamily="34" charset="0"/>
+              </a:defRPr>
+            </a:lvl2pPr>
+            <a:lvl3pPr marL="1143000" indent="-228600">
+              <a:spcBef>
+                <a:spcPct val="20000"/>
+              </a:spcBef>
+              <a:buChar char="•"/>
+              <a:defRPr sz="2400">
+                <a:solidFill>
+                  <a:schemeClr val="tx1"/>
+                </a:solidFill>
+                <a:latin typeface="Arial" panose="020B0604020202020204" pitchFamily="34" charset="0"/>
+                <a:ea typeface="Arial Unicode MS" panose="020B0604020202020204" pitchFamily="50" charset="-127"/>
+                <a:cs typeface="Arial" panose="020B0604020202020204" pitchFamily="34" charset="0"/>
+              </a:defRPr>
+            </a:lvl3pPr>
+            <a:lvl4pPr marL="1600200" indent="-228600">
+              <a:spcBef>
+                <a:spcPct val="20000"/>
+              </a:spcBef>
+              <a:buChar char="–"/>
+              <a:defRPr sz="2000">
+                <a:solidFill>
+                  <a:schemeClr val="tx1"/>
+                </a:solidFill>
+                <a:latin typeface="Arial" panose="020B0604020202020204" pitchFamily="34" charset="0"/>
+                <a:ea typeface="Arial Unicode MS" panose="020B0604020202020204" pitchFamily="50" charset="-127"/>
+                <a:cs typeface="Arial" panose="020B0604020202020204" pitchFamily="34" charset="0"/>
+              </a:defRPr>
+            </a:lvl4pPr>
+            <a:lvl5pPr marL="2057400" indent="-228600">
+              <a:spcBef>
+                <a:spcPct val="20000"/>
+              </a:spcBef>
+              <a:buChar char="»"/>
+              <a:defRPr sz="2000">
+                <a:solidFill>
+                  <a:schemeClr val="tx1"/>
+                </a:solidFill>
+                <a:latin typeface="Arial" panose="020B0604020202020204" pitchFamily="34" charset="0"/>
+                <a:ea typeface="Arial Unicode MS" panose="020B0604020202020204" pitchFamily="50" charset="-127"/>
+                <a:cs typeface="Arial" panose="020B0604020202020204" pitchFamily="34" charset="0"/>
+              </a:defRPr>
+            </a:lvl5pPr>
+            <a:lvl6pPr marL="2514600" indent="-228600" eaLnBrk="0" fontAlgn="base" hangingPunct="0">
+              <a:spcBef>
+                <a:spcPct val="20000"/>
               </a:spcBef>
               <a:spcAft>
                 <a:spcPct val="0"/>
               </a:spcAft>
-              <a:defRPr sz="4400" kern="1200">
-                <a:solidFill>
-                  <a:schemeClr val="tx2"/>
-                </a:solidFill>
-                <a:latin typeface="맑은 고딕" panose="020B0503020000020004" pitchFamily="50" charset="-127"/>
-                <a:ea typeface="맑은 고딕" panose="020B0503020000020004" pitchFamily="50" charset="-127"/>
-                <a:cs typeface="+mj-cs"/>
-              </a:defRPr>
-            </a:lvl1pPr>
-            <a:lvl2pPr algn="ctr" rtl="0" eaLnBrk="0" fontAlgn="base" hangingPunct="0">
-              <a:spcBef>
-                <a:spcPct val="0"/>
+              <a:buChar char="»"/>
+              <a:defRPr sz="2000">
+                <a:solidFill>
+                  <a:schemeClr val="tx1"/>
+                </a:solidFill>
+                <a:latin typeface="Arial" panose="020B0604020202020204" pitchFamily="34" charset="0"/>
+                <a:ea typeface="Arial Unicode MS" panose="020B0604020202020204" pitchFamily="50" charset="-127"/>
+                <a:cs typeface="Arial" panose="020B0604020202020204" pitchFamily="34" charset="0"/>
+              </a:defRPr>
+            </a:lvl6pPr>
+            <a:lvl7pPr marL="2971800" indent="-228600" eaLnBrk="0" fontAlgn="base" hangingPunct="0">
+              <a:spcBef>
+                <a:spcPct val="20000"/>
               </a:spcBef>
               <a:spcAft>
                 <a:spcPct val="0"/>
               </a:spcAft>
-              <a:defRPr sz="4400">
-                <a:solidFill>
-                  <a:schemeClr val="tx2"/>
-                </a:solidFill>
-                <a:latin typeface="Arial" panose="020B0604020202020204" pitchFamily="34" charset="0"/>
-                <a:ea typeface="Arial Unicode MS" panose="020B0604020202020204" pitchFamily="50" charset="-127"/>
-                <a:cs typeface="Arial" panose="020B0604020202020204" pitchFamily="34" charset="0"/>
-              </a:defRPr>
-            </a:lvl2pPr>
-            <a:lvl3pPr algn="ctr" rtl="0" eaLnBrk="0" fontAlgn="base" hangingPunct="0">
-              <a:spcBef>
-                <a:spcPct val="0"/>
+              <a:buChar char="»"/>
+              <a:defRPr sz="2000">
+                <a:solidFill>
+                  <a:schemeClr val="tx1"/>
+                </a:solidFill>
+                <a:latin typeface="Arial" panose="020B0604020202020204" pitchFamily="34" charset="0"/>
+                <a:ea typeface="Arial Unicode MS" panose="020B0604020202020204" pitchFamily="50" charset="-127"/>
+                <a:cs typeface="Arial" panose="020B0604020202020204" pitchFamily="34" charset="0"/>
+              </a:defRPr>
+            </a:lvl7pPr>
+            <a:lvl8pPr marL="3429000" indent="-228600" eaLnBrk="0" fontAlgn="base" hangingPunct="0">
+              <a:spcBef>
+                <a:spcPct val="20000"/>
               </a:spcBef>
               <a:spcAft>
                 <a:spcPct val="0"/>
               </a:spcAft>
-              <a:defRPr sz="4400">
-                <a:solidFill>
-                  <a:schemeClr val="tx2"/>
-                </a:solidFill>
-                <a:latin typeface="Arial" panose="020B0604020202020204" pitchFamily="34" charset="0"/>
-                <a:ea typeface="Arial Unicode MS" panose="020B0604020202020204" pitchFamily="50" charset="-127"/>
-                <a:cs typeface="Arial" panose="020B0604020202020204" pitchFamily="34" charset="0"/>
-              </a:defRPr>
-            </a:lvl3pPr>
-            <a:lvl4pPr algn="ctr" rtl="0" eaLnBrk="0" fontAlgn="base" hangingPunct="0">
-              <a:spcBef>
-                <a:spcPct val="0"/>
+              <a:buChar char="»"/>
+              <a:defRPr sz="2000">
+                <a:solidFill>
+                  <a:schemeClr val="tx1"/>
+                </a:solidFill>
+                <a:latin typeface="Arial" panose="020B0604020202020204" pitchFamily="34" charset="0"/>
+                <a:ea typeface="Arial Unicode MS" panose="020B0604020202020204" pitchFamily="50" charset="-127"/>
+                <a:cs typeface="Arial" panose="020B0604020202020204" pitchFamily="34" charset="0"/>
+              </a:defRPr>
+            </a:lvl8pPr>
+            <a:lvl9pPr marL="3886200" indent="-228600" eaLnBrk="0" fontAlgn="base" hangingPunct="0">
+              <a:spcBef>
+                <a:spcPct val="20000"/>
               </a:spcBef>
               <a:spcAft>
                 <a:spcPct val="0"/>
               </a:spcAft>
-              <a:defRPr sz="4400">
-                <a:solidFill>
-                  <a:schemeClr val="tx2"/>
-                </a:solidFill>
-                <a:latin typeface="Arial" panose="020B0604020202020204" pitchFamily="34" charset="0"/>
-                <a:ea typeface="Arial Unicode MS" panose="020B0604020202020204" pitchFamily="50" charset="-127"/>
-                <a:cs typeface="Arial" panose="020B0604020202020204" pitchFamily="34" charset="0"/>
-              </a:defRPr>
-            </a:lvl4pPr>
-            <a:lvl5pPr algn="ctr" rtl="0" eaLnBrk="0" fontAlgn="base" hangingPunct="0">
-              <a:spcBef>
-                <a:spcPct val="0"/>
-              </a:spcBef>
-              <a:spcAft>
-                <a:spcPct val="0"/>
-              </a:spcAft>
-              <a:defRPr sz="4400">
-                <a:solidFill>
-                  <a:schemeClr val="tx2"/>
-                </a:solidFill>
-                <a:latin typeface="Arial" panose="020B0604020202020204" pitchFamily="34" charset="0"/>
-                <a:ea typeface="Arial Unicode MS" panose="020B0604020202020204" pitchFamily="50" charset="-127"/>
-                <a:cs typeface="Arial" panose="020B0604020202020204" pitchFamily="34" charset="0"/>
-              </a:defRPr>
-            </a:lvl5pPr>
-            <a:lvl6pPr marL="457200" algn="ctr" rtl="0" fontAlgn="base">
-              <a:spcBef>
-                <a:spcPct val="0"/>
-              </a:spcBef>
-              <a:spcAft>
-                <a:spcPct val="0"/>
-              </a:spcAft>
-              <a:defRPr sz="4400">
-                <a:solidFill>
-                  <a:schemeClr val="tx2"/>
-                </a:solidFill>
-                <a:latin typeface="Arial" panose="020B0604020202020204" pitchFamily="34" charset="0"/>
-                <a:cs typeface="Arial" panose="020B0604020202020204" pitchFamily="34" charset="0"/>
-              </a:defRPr>
-            </a:lvl6pPr>
-            <a:lvl7pPr marL="914400" algn="ctr" rtl="0" fontAlgn="base">
-              <a:spcBef>
-                <a:spcPct val="0"/>
-              </a:spcBef>
-              <a:spcAft>
-                <a:spcPct val="0"/>
-              </a:spcAft>
-              <a:defRPr sz="4400">
-                <a:solidFill>
-                  <a:schemeClr val="tx2"/>
-                </a:solidFill>
-                <a:latin typeface="Arial" panose="020B0604020202020204" pitchFamily="34" charset="0"/>
-                <a:cs typeface="Arial" panose="020B0604020202020204" pitchFamily="34" charset="0"/>
-              </a:defRPr>
-            </a:lvl7pPr>
-            <a:lvl8pPr marL="1371600" algn="ctr" rtl="0" fontAlgn="base">
-              <a:spcBef>
-                <a:spcPct val="0"/>
-              </a:spcBef>
-              <a:spcAft>
-                <a:spcPct val="0"/>
-              </a:spcAft>
-              <a:defRPr sz="4400">
-                <a:solidFill>
-                  <a:schemeClr val="tx2"/>
-                </a:solidFill>
-                <a:latin typeface="Arial" panose="020B0604020202020204" pitchFamily="34" charset="0"/>
-                <a:cs typeface="Arial" panose="020B0604020202020204" pitchFamily="34" charset="0"/>
-              </a:defRPr>
-            </a:lvl8pPr>
-            <a:lvl9pPr marL="1828800" algn="ctr" rtl="0" fontAlgn="base">
-              <a:spcBef>
-                <a:spcPct val="0"/>
-              </a:spcBef>
-              <a:spcAft>
-                <a:spcPct val="0"/>
-              </a:spcAft>
-              <a:defRPr sz="4400">
-                <a:solidFill>
-                  <a:schemeClr val="tx2"/>
-                </a:solidFill>
-                <a:latin typeface="Arial" panose="020B0604020202020204" pitchFamily="34" charset="0"/>
+              <a:buChar char="»"/>
+              <a:defRPr sz="2000">
+                <a:solidFill>
+                  <a:schemeClr val="tx1"/>
+                </a:solidFill>
+                <a:latin typeface="Arial" panose="020B0604020202020204" pitchFamily="34" charset="0"/>
+                <a:ea typeface="Arial Unicode MS" panose="020B0604020202020204" pitchFamily="50" charset="-127"/>
                 <a:cs typeface="Arial" panose="020B0604020202020204" pitchFamily="34" charset="0"/>
               </a:defRPr>
             </a:lvl9pPr>
           </a:lstStyle>
           <a:p>
-            <a:pPr eaLnBrk="1" hangingPunct="1"/>
-            <a:r>
-              <a:rPr lang="es-ES" altLang="ko-KR" sz="3200" b="1">
-                <a:solidFill>
-                  <a:schemeClr val="tx1"/>
-                </a:solidFill>
-              </a:rPr>
-              <a:t>Thank you</a:t>
-            </a:r>
+            <a:pPr>
+              <a:buNone/>
+            </a:pPr>
+            <a:r>
+              <a:rPr lang="ko-KR" altLang="en-US" sz="1200" i="0">
+                <a:solidFill>
+                  <a:srgbClr val="24292F"/>
+                </a:solidFill>
+                <a:effectLst/>
+                <a:latin typeface="맑은 고딕" panose="020B0503020000020004" pitchFamily="50" charset="-127"/>
+                <a:ea typeface="맑은 고딕" panose="020B0503020000020004" pitchFamily="50" charset="-127"/>
+              </a:rPr>
+              <a:t>🤔 </a:t>
+            </a:r>
+            <a:r>
+              <a:rPr lang="ko-KR" altLang="en-US" sz="1400" i="0">
+                <a:solidFill>
+                  <a:srgbClr val="24292F"/>
+                </a:solidFill>
+                <a:effectLst/>
+                <a:latin typeface="맑은 고딕" panose="020B0503020000020004" pitchFamily="50" charset="-127"/>
+                <a:ea typeface="맑은 고딕" panose="020B0503020000020004" pitchFamily="50" charset="-127"/>
+              </a:rPr>
+              <a:t>서버측에서 클라이언트측 소켓을 식별하기위해 </a:t>
+            </a:r>
+            <a:r>
+              <a:rPr lang="en-US" altLang="ko-KR" sz="1400" i="0">
+                <a:solidFill>
+                  <a:srgbClr val="24292F"/>
+                </a:solidFill>
+                <a:effectLst/>
+                <a:latin typeface="맑은 고딕" panose="020B0503020000020004" pitchFamily="50" charset="-127"/>
+                <a:ea typeface="맑은 고딕" panose="020B0503020000020004" pitchFamily="50" charset="-127"/>
+              </a:rPr>
+              <a:t> </a:t>
+            </a:r>
+            <a:r>
+              <a:rPr lang="ko-KR" altLang="en-US" sz="1400" b="1" i="0">
+                <a:solidFill>
+                  <a:srgbClr val="24292F"/>
+                </a:solidFill>
+                <a:effectLst/>
+                <a:latin typeface="맑은 고딕" panose="020B0503020000020004" pitchFamily="50" charset="-127"/>
+                <a:ea typeface="맑은 고딕" panose="020B0503020000020004" pitchFamily="50" charset="-127"/>
+              </a:rPr>
+              <a:t>클라이언트측의 디스크립터를 넘겨주지 않는다</a:t>
+            </a:r>
+            <a:r>
+              <a:rPr lang="en-US" altLang="ko-KR" sz="1400" b="1" i="0">
+                <a:solidFill>
+                  <a:srgbClr val="24292F"/>
+                </a:solidFill>
+                <a:effectLst/>
+                <a:latin typeface="맑은 고딕" panose="020B0503020000020004" pitchFamily="50" charset="-127"/>
+                <a:ea typeface="맑은 고딕" panose="020B0503020000020004" pitchFamily="50" charset="-127"/>
+              </a:rPr>
+              <a:t>.</a:t>
+            </a:r>
+          </a:p>
+        </p:txBody>
+      </p:sp>
+      <p:sp>
+        <p:nvSpPr>
+          <p:cNvPr id="18" name="TextBox 17">
+            <a:extLst>
+              <a:ext uri="{FF2B5EF4-FFF2-40B4-BE49-F238E27FC236}">
+                <a16:creationId xmlns:a16="http://schemas.microsoft.com/office/drawing/2014/main" id="{934BC7A1-795F-4C07-A5EF-D79B42224086}"/>
+              </a:ext>
+            </a:extLst>
+          </p:cNvPr>
+          <p:cNvSpPr txBox="1">
+            <a:spLocks noChangeArrowheads="1"/>
+          </p:cNvSpPr>
+          <p:nvPr/>
+        </p:nvSpPr>
+        <p:spPr bwMode="auto">
+          <a:xfrm>
+            <a:off x="251520" y="5949280"/>
+            <a:ext cx="8229600" cy="400110"/>
+          </a:xfrm>
+          <a:prstGeom prst="rect">
+            <a:avLst/>
+          </a:prstGeom>
+          <a:noFill/>
+          <a:ln>
+            <a:noFill/>
+          </a:ln>
+          <a:extLst>
+            <a:ext uri="{909E8E84-426E-40DD-AFC4-6F175D3DCCD1}">
+              <a14:hiddenFill xmlns:a14="http://schemas.microsoft.com/office/drawing/2010/main">
+                <a:solidFill>
+                  <a:srgbClr val="FFFFFF"/>
+                </a:solidFill>
+              </a14:hiddenFill>
+            </a:ext>
+            <a:ext uri="{91240B29-F687-4F45-9708-019B960494DF}">
+              <a14:hiddenLine xmlns:a14="http://schemas.microsoft.com/office/drawing/2010/main" w="9525">
+                <a:solidFill>
+                  <a:srgbClr val="000000"/>
+                </a:solidFill>
+                <a:miter lim="800000"/>
+                <a:headEnd/>
+                <a:tailEnd/>
+              </a14:hiddenLine>
+            </a:ext>
+          </a:extLst>
+        </p:spPr>
+        <p:txBody>
+          <a:bodyPr>
+            <a:spAutoFit/>
+          </a:bodyPr>
+          <a:lstStyle>
+            <a:lvl1pPr>
+              <a:spcBef>
+                <a:spcPct val="20000"/>
+              </a:spcBef>
+              <a:buChar char="•"/>
+              <a:defRPr sz="3200">
+                <a:solidFill>
+                  <a:schemeClr val="tx1"/>
+                </a:solidFill>
+                <a:latin typeface="Arial" panose="020B0604020202020204" pitchFamily="34" charset="0"/>
+                <a:ea typeface="Arial Unicode MS" panose="020B0604020202020204" pitchFamily="50" charset="-127"/>
+                <a:cs typeface="Arial" panose="020B0604020202020204" pitchFamily="34" charset="0"/>
+              </a:defRPr>
+            </a:lvl1pPr>
+            <a:lvl2pPr marL="742950" indent="-285750">
+              <a:spcBef>
+                <a:spcPct val="20000"/>
+              </a:spcBef>
+              <a:buChar char="–"/>
+              <a:defRPr sz="2800">
+                <a:solidFill>
+                  <a:schemeClr val="tx1"/>
+                </a:solidFill>
+                <a:latin typeface="Arial" panose="020B0604020202020204" pitchFamily="34" charset="0"/>
+                <a:ea typeface="Arial Unicode MS" panose="020B0604020202020204" pitchFamily="50" charset="-127"/>
+                <a:cs typeface="Arial" panose="020B0604020202020204" pitchFamily="34" charset="0"/>
+              </a:defRPr>
+            </a:lvl2pPr>
+            <a:lvl3pPr marL="1143000" indent="-228600">
+              <a:spcBef>
+                <a:spcPct val="20000"/>
+              </a:spcBef>
+              <a:buChar char="•"/>
+              <a:defRPr sz="2400">
+                <a:solidFill>
+                  <a:schemeClr val="tx1"/>
+                </a:solidFill>
+                <a:latin typeface="Arial" panose="020B0604020202020204" pitchFamily="34" charset="0"/>
+                <a:ea typeface="Arial Unicode MS" panose="020B0604020202020204" pitchFamily="50" charset="-127"/>
+                <a:cs typeface="Arial" panose="020B0604020202020204" pitchFamily="34" charset="0"/>
+              </a:defRPr>
+            </a:lvl3pPr>
+            <a:lvl4pPr marL="1600200" indent="-228600">
+              <a:spcBef>
+                <a:spcPct val="20000"/>
+              </a:spcBef>
+              <a:buChar char="–"/>
+              <a:defRPr sz="2000">
+                <a:solidFill>
+                  <a:schemeClr val="tx1"/>
+                </a:solidFill>
+                <a:latin typeface="Arial" panose="020B0604020202020204" pitchFamily="34" charset="0"/>
+                <a:ea typeface="Arial Unicode MS" panose="020B0604020202020204" pitchFamily="50" charset="-127"/>
+                <a:cs typeface="Arial" panose="020B0604020202020204" pitchFamily="34" charset="0"/>
+              </a:defRPr>
+            </a:lvl4pPr>
+            <a:lvl5pPr marL="2057400" indent="-228600">
+              <a:spcBef>
+                <a:spcPct val="20000"/>
+              </a:spcBef>
+              <a:buChar char="»"/>
+              <a:defRPr sz="2000">
+                <a:solidFill>
+                  <a:schemeClr val="tx1"/>
+                </a:solidFill>
+                <a:latin typeface="Arial" panose="020B0604020202020204" pitchFamily="34" charset="0"/>
+                <a:ea typeface="Arial Unicode MS" panose="020B0604020202020204" pitchFamily="50" charset="-127"/>
+                <a:cs typeface="Arial" panose="020B0604020202020204" pitchFamily="34" charset="0"/>
+              </a:defRPr>
+            </a:lvl5pPr>
+            <a:lvl6pPr marL="2514600" indent="-228600" eaLnBrk="0" fontAlgn="base" hangingPunct="0">
+              <a:spcBef>
+                <a:spcPct val="20000"/>
+              </a:spcBef>
+              <a:spcAft>
+                <a:spcPct val="0"/>
+              </a:spcAft>
+              <a:buChar char="»"/>
+              <a:defRPr sz="2000">
+                <a:solidFill>
+                  <a:schemeClr val="tx1"/>
+                </a:solidFill>
+                <a:latin typeface="Arial" panose="020B0604020202020204" pitchFamily="34" charset="0"/>
+                <a:ea typeface="Arial Unicode MS" panose="020B0604020202020204" pitchFamily="50" charset="-127"/>
+                <a:cs typeface="Arial" panose="020B0604020202020204" pitchFamily="34" charset="0"/>
+              </a:defRPr>
+            </a:lvl6pPr>
+            <a:lvl7pPr marL="2971800" indent="-228600" eaLnBrk="0" fontAlgn="base" hangingPunct="0">
+              <a:spcBef>
+                <a:spcPct val="20000"/>
+              </a:spcBef>
+              <a:spcAft>
+                <a:spcPct val="0"/>
+              </a:spcAft>
+              <a:buChar char="»"/>
+              <a:defRPr sz="2000">
+                <a:solidFill>
+                  <a:schemeClr val="tx1"/>
+                </a:solidFill>
+                <a:latin typeface="Arial" panose="020B0604020202020204" pitchFamily="34" charset="0"/>
+                <a:ea typeface="Arial Unicode MS" panose="020B0604020202020204" pitchFamily="50" charset="-127"/>
+                <a:cs typeface="Arial" panose="020B0604020202020204" pitchFamily="34" charset="0"/>
+              </a:defRPr>
+            </a:lvl7pPr>
+            <a:lvl8pPr marL="3429000" indent="-228600" eaLnBrk="0" fontAlgn="base" hangingPunct="0">
+              <a:spcBef>
+                <a:spcPct val="20000"/>
+              </a:spcBef>
+              <a:spcAft>
+                <a:spcPct val="0"/>
+              </a:spcAft>
+              <a:buChar char="»"/>
+              <a:defRPr sz="2000">
+                <a:solidFill>
+                  <a:schemeClr val="tx1"/>
+                </a:solidFill>
+                <a:latin typeface="Arial" panose="020B0604020202020204" pitchFamily="34" charset="0"/>
+                <a:ea typeface="Arial Unicode MS" panose="020B0604020202020204" pitchFamily="50" charset="-127"/>
+                <a:cs typeface="Arial" panose="020B0604020202020204" pitchFamily="34" charset="0"/>
+              </a:defRPr>
+            </a:lvl8pPr>
+            <a:lvl9pPr marL="3886200" indent="-228600" eaLnBrk="0" fontAlgn="base" hangingPunct="0">
+              <a:spcBef>
+                <a:spcPct val="20000"/>
+              </a:spcBef>
+              <a:spcAft>
+                <a:spcPct val="0"/>
+              </a:spcAft>
+              <a:buChar char="»"/>
+              <a:defRPr sz="2000">
+                <a:solidFill>
+                  <a:schemeClr val="tx1"/>
+                </a:solidFill>
+                <a:latin typeface="Arial" panose="020B0604020202020204" pitchFamily="34" charset="0"/>
+                <a:ea typeface="Arial Unicode MS" panose="020B0604020202020204" pitchFamily="50" charset="-127"/>
+                <a:cs typeface="Arial" panose="020B0604020202020204" pitchFamily="34" charset="0"/>
+              </a:defRPr>
+            </a:lvl9pPr>
+          </a:lstStyle>
+          <a:p>
+            <a:pPr algn="ctr">
+              <a:buNone/>
+            </a:pPr>
+            <a:r>
+              <a:rPr lang="ko-KR" altLang="en-US" sz="2000" b="1">
+                <a:solidFill>
+                  <a:srgbClr val="24292F"/>
+                </a:solidFill>
+                <a:effectLst/>
+                <a:latin typeface="맑은 고딕" panose="020B0503020000020004" pitchFamily="50" charset="-127"/>
+                <a:ea typeface="맑은 고딕" panose="020B0503020000020004" pitchFamily="50" charset="-127"/>
+              </a:rPr>
+              <a:t>그럼 어떻게 식별하는가</a:t>
+            </a:r>
+            <a:r>
+              <a:rPr lang="en-US" altLang="ko-KR" sz="2000" b="1">
+                <a:solidFill>
+                  <a:srgbClr val="24292F"/>
+                </a:solidFill>
+                <a:effectLst/>
+                <a:latin typeface="맑은 고딕" panose="020B0503020000020004" pitchFamily="50" charset="-127"/>
+                <a:ea typeface="맑은 고딕" panose="020B0503020000020004" pitchFamily="50" charset="-127"/>
+              </a:rPr>
+              <a:t>?</a:t>
+            </a:r>
+            <a:r>
+              <a:rPr lang="ko-KR" altLang="en-US" sz="2000" b="1">
+                <a:solidFill>
+                  <a:srgbClr val="24292F"/>
+                </a:solidFill>
+                <a:effectLst/>
+                <a:latin typeface="맑은 고딕" panose="020B0503020000020004" pitchFamily="50" charset="-127"/>
+                <a:ea typeface="맑은 고딕" panose="020B0503020000020004" pitchFamily="50" charset="-127"/>
+              </a:rPr>
+              <a:t> 챕터</a:t>
+            </a:r>
+            <a:r>
+              <a:rPr lang="en-US" altLang="ko-KR" sz="2000" b="1">
+                <a:solidFill>
+                  <a:srgbClr val="24292F"/>
+                </a:solidFill>
+                <a:effectLst/>
+                <a:latin typeface="맑은 고딕" panose="020B0503020000020004" pitchFamily="50" charset="-127"/>
+                <a:ea typeface="맑은 고딕" panose="020B0503020000020004" pitchFamily="50" charset="-127"/>
+              </a:rPr>
+              <a:t>2 </a:t>
+            </a:r>
+            <a:r>
+              <a:rPr lang="ko-KR" altLang="en-US" sz="2000" b="1">
+                <a:solidFill>
+                  <a:srgbClr val="24292F"/>
+                </a:solidFill>
+                <a:effectLst/>
+                <a:latin typeface="맑은 고딕" panose="020B0503020000020004" pitchFamily="50" charset="-127"/>
+                <a:ea typeface="맑은 고딕" panose="020B0503020000020004" pitchFamily="50" charset="-127"/>
+              </a:rPr>
+              <a:t>내용</a:t>
+            </a:r>
+            <a:endParaRPr lang="en-US" altLang="ko-KR" sz="2000" b="1">
+              <a:solidFill>
+                <a:srgbClr val="24292F"/>
+              </a:solidFill>
+              <a:effectLst/>
+              <a:latin typeface="맑은 고딕" panose="020B0503020000020004" pitchFamily="50" charset="-127"/>
+              <a:ea typeface="맑은 고딕" panose="020B0503020000020004" pitchFamily="50" charset="-127"/>
+            </a:endParaRPr>
+          </a:p>
+        </p:txBody>
+      </p:sp>
+      <p:sp>
+        <p:nvSpPr>
+          <p:cNvPr id="19" name="TextBox 18">
+            <a:extLst>
+              <a:ext uri="{FF2B5EF4-FFF2-40B4-BE49-F238E27FC236}">
+                <a16:creationId xmlns:a16="http://schemas.microsoft.com/office/drawing/2014/main" id="{8A6F4F8D-A8A2-476B-88FD-B1B8792E7386}"/>
+              </a:ext>
+            </a:extLst>
+          </p:cNvPr>
+          <p:cNvSpPr txBox="1">
+            <a:spLocks noChangeArrowheads="1"/>
+          </p:cNvSpPr>
+          <p:nvPr/>
+        </p:nvSpPr>
+        <p:spPr bwMode="auto">
+          <a:xfrm>
+            <a:off x="575556" y="2341152"/>
+            <a:ext cx="8229600" cy="1772793"/>
+          </a:xfrm>
+          <a:prstGeom prst="rect">
+            <a:avLst/>
+          </a:prstGeom>
+          <a:noFill/>
+          <a:ln>
+            <a:noFill/>
+          </a:ln>
+          <a:extLst>
+            <a:ext uri="{909E8E84-426E-40DD-AFC4-6F175D3DCCD1}">
+              <a14:hiddenFill xmlns:a14="http://schemas.microsoft.com/office/drawing/2010/main">
+                <a:solidFill>
+                  <a:srgbClr val="FFFFFF"/>
+                </a:solidFill>
+              </a14:hiddenFill>
+            </a:ext>
+            <a:ext uri="{91240B29-F687-4F45-9708-019B960494DF}">
+              <a14:hiddenLine xmlns:a14="http://schemas.microsoft.com/office/drawing/2010/main" w="9525">
+                <a:solidFill>
+                  <a:srgbClr val="000000"/>
+                </a:solidFill>
+                <a:miter lim="800000"/>
+                <a:headEnd/>
+                <a:tailEnd/>
+              </a14:hiddenLine>
+            </a:ext>
+          </a:extLst>
+        </p:spPr>
+        <p:txBody>
+          <a:bodyPr>
+            <a:spAutoFit/>
+          </a:bodyPr>
+          <a:lstStyle>
+            <a:lvl1pPr>
+              <a:spcBef>
+                <a:spcPct val="20000"/>
+              </a:spcBef>
+              <a:buChar char="•"/>
+              <a:defRPr sz="3200">
+                <a:solidFill>
+                  <a:schemeClr val="tx1"/>
+                </a:solidFill>
+                <a:latin typeface="Arial" panose="020B0604020202020204" pitchFamily="34" charset="0"/>
+                <a:ea typeface="Arial Unicode MS" panose="020B0604020202020204" pitchFamily="50" charset="-127"/>
+                <a:cs typeface="Arial" panose="020B0604020202020204" pitchFamily="34" charset="0"/>
+              </a:defRPr>
+            </a:lvl1pPr>
+            <a:lvl2pPr marL="742950" indent="-285750">
+              <a:spcBef>
+                <a:spcPct val="20000"/>
+              </a:spcBef>
+              <a:buChar char="–"/>
+              <a:defRPr sz="2800">
+                <a:solidFill>
+                  <a:schemeClr val="tx1"/>
+                </a:solidFill>
+                <a:latin typeface="Arial" panose="020B0604020202020204" pitchFamily="34" charset="0"/>
+                <a:ea typeface="Arial Unicode MS" panose="020B0604020202020204" pitchFamily="50" charset="-127"/>
+                <a:cs typeface="Arial" panose="020B0604020202020204" pitchFamily="34" charset="0"/>
+              </a:defRPr>
+            </a:lvl2pPr>
+            <a:lvl3pPr marL="1143000" indent="-228600">
+              <a:spcBef>
+                <a:spcPct val="20000"/>
+              </a:spcBef>
+              <a:buChar char="•"/>
+              <a:defRPr sz="2400">
+                <a:solidFill>
+                  <a:schemeClr val="tx1"/>
+                </a:solidFill>
+                <a:latin typeface="Arial" panose="020B0604020202020204" pitchFamily="34" charset="0"/>
+                <a:ea typeface="Arial Unicode MS" panose="020B0604020202020204" pitchFamily="50" charset="-127"/>
+                <a:cs typeface="Arial" panose="020B0604020202020204" pitchFamily="34" charset="0"/>
+              </a:defRPr>
+            </a:lvl3pPr>
+            <a:lvl4pPr marL="1600200" indent="-228600">
+              <a:spcBef>
+                <a:spcPct val="20000"/>
+              </a:spcBef>
+              <a:buChar char="–"/>
+              <a:defRPr sz="2000">
+                <a:solidFill>
+                  <a:schemeClr val="tx1"/>
+                </a:solidFill>
+                <a:latin typeface="Arial" panose="020B0604020202020204" pitchFamily="34" charset="0"/>
+                <a:ea typeface="Arial Unicode MS" panose="020B0604020202020204" pitchFamily="50" charset="-127"/>
+                <a:cs typeface="Arial" panose="020B0604020202020204" pitchFamily="34" charset="0"/>
+              </a:defRPr>
+            </a:lvl4pPr>
+            <a:lvl5pPr marL="2057400" indent="-228600">
+              <a:spcBef>
+                <a:spcPct val="20000"/>
+              </a:spcBef>
+              <a:buChar char="»"/>
+              <a:defRPr sz="2000">
+                <a:solidFill>
+                  <a:schemeClr val="tx1"/>
+                </a:solidFill>
+                <a:latin typeface="Arial" panose="020B0604020202020204" pitchFamily="34" charset="0"/>
+                <a:ea typeface="Arial Unicode MS" panose="020B0604020202020204" pitchFamily="50" charset="-127"/>
+                <a:cs typeface="Arial" panose="020B0604020202020204" pitchFamily="34" charset="0"/>
+              </a:defRPr>
+            </a:lvl5pPr>
+            <a:lvl6pPr marL="2514600" indent="-228600" eaLnBrk="0" fontAlgn="base" hangingPunct="0">
+              <a:spcBef>
+                <a:spcPct val="20000"/>
+              </a:spcBef>
+              <a:spcAft>
+                <a:spcPct val="0"/>
+              </a:spcAft>
+              <a:buChar char="»"/>
+              <a:defRPr sz="2000">
+                <a:solidFill>
+                  <a:schemeClr val="tx1"/>
+                </a:solidFill>
+                <a:latin typeface="Arial" panose="020B0604020202020204" pitchFamily="34" charset="0"/>
+                <a:ea typeface="Arial Unicode MS" panose="020B0604020202020204" pitchFamily="50" charset="-127"/>
+                <a:cs typeface="Arial" panose="020B0604020202020204" pitchFamily="34" charset="0"/>
+              </a:defRPr>
+            </a:lvl6pPr>
+            <a:lvl7pPr marL="2971800" indent="-228600" eaLnBrk="0" fontAlgn="base" hangingPunct="0">
+              <a:spcBef>
+                <a:spcPct val="20000"/>
+              </a:spcBef>
+              <a:spcAft>
+                <a:spcPct val="0"/>
+              </a:spcAft>
+              <a:buChar char="»"/>
+              <a:defRPr sz="2000">
+                <a:solidFill>
+                  <a:schemeClr val="tx1"/>
+                </a:solidFill>
+                <a:latin typeface="Arial" panose="020B0604020202020204" pitchFamily="34" charset="0"/>
+                <a:ea typeface="Arial Unicode MS" panose="020B0604020202020204" pitchFamily="50" charset="-127"/>
+                <a:cs typeface="Arial" panose="020B0604020202020204" pitchFamily="34" charset="0"/>
+              </a:defRPr>
+            </a:lvl7pPr>
+            <a:lvl8pPr marL="3429000" indent="-228600" eaLnBrk="0" fontAlgn="base" hangingPunct="0">
+              <a:spcBef>
+                <a:spcPct val="20000"/>
+              </a:spcBef>
+              <a:spcAft>
+                <a:spcPct val="0"/>
+              </a:spcAft>
+              <a:buChar char="»"/>
+              <a:defRPr sz="2000">
+                <a:solidFill>
+                  <a:schemeClr val="tx1"/>
+                </a:solidFill>
+                <a:latin typeface="Arial" panose="020B0604020202020204" pitchFamily="34" charset="0"/>
+                <a:ea typeface="Arial Unicode MS" panose="020B0604020202020204" pitchFamily="50" charset="-127"/>
+                <a:cs typeface="Arial" panose="020B0604020202020204" pitchFamily="34" charset="0"/>
+              </a:defRPr>
+            </a:lvl8pPr>
+            <a:lvl9pPr marL="3886200" indent="-228600" eaLnBrk="0" fontAlgn="base" hangingPunct="0">
+              <a:spcBef>
+                <a:spcPct val="20000"/>
+              </a:spcBef>
+              <a:spcAft>
+                <a:spcPct val="0"/>
+              </a:spcAft>
+              <a:buChar char="»"/>
+              <a:defRPr sz="2000">
+                <a:solidFill>
+                  <a:schemeClr val="tx1"/>
+                </a:solidFill>
+                <a:latin typeface="Arial" panose="020B0604020202020204" pitchFamily="34" charset="0"/>
+                <a:ea typeface="Arial Unicode MS" panose="020B0604020202020204" pitchFamily="50" charset="-127"/>
+                <a:cs typeface="Arial" panose="020B0604020202020204" pitchFamily="34" charset="0"/>
+              </a:defRPr>
+            </a:lvl9pPr>
+          </a:lstStyle>
+          <a:p>
+            <a:pPr>
+              <a:buNone/>
+            </a:pPr>
+            <a:r>
+              <a:rPr lang="ko-KR" altLang="en-US" sz="1400" b="1" i="0">
+                <a:solidFill>
+                  <a:srgbClr val="24292F"/>
+                </a:solidFill>
+                <a:effectLst/>
+                <a:latin typeface="맑은 고딕" panose="020B0503020000020004" pitchFamily="50" charset="-127"/>
+                <a:ea typeface="맑은 고딕" panose="020B0503020000020004" pitchFamily="50" charset="-127"/>
+              </a:rPr>
+              <a:t>😎 필자의 사견 😎</a:t>
+            </a:r>
+            <a:endParaRPr lang="en-US" altLang="ko-KR" sz="1400" b="1" i="0">
+              <a:solidFill>
+                <a:srgbClr val="24292F"/>
+              </a:solidFill>
+              <a:effectLst/>
+              <a:latin typeface="맑은 고딕" panose="020B0503020000020004" pitchFamily="50" charset="-127"/>
+              <a:ea typeface="맑은 고딕" panose="020B0503020000020004" pitchFamily="50" charset="-127"/>
+            </a:endParaRPr>
+          </a:p>
+          <a:p>
+            <a:pPr>
+              <a:buNone/>
+            </a:pPr>
+            <a:endParaRPr lang="en-US" altLang="ko-KR" sz="1400" b="1">
+              <a:solidFill>
+                <a:srgbClr val="24292F"/>
+              </a:solidFill>
+              <a:latin typeface="맑은 고딕" panose="020B0503020000020004" pitchFamily="50" charset="-127"/>
+              <a:ea typeface="맑은 고딕" panose="020B0503020000020004" pitchFamily="50" charset="-127"/>
+            </a:endParaRPr>
+          </a:p>
+          <a:p>
+            <a:pPr marL="342900" indent="-342900">
+              <a:buFont typeface="+mj-lt"/>
+              <a:buAutoNum type="arabicPeriod"/>
+            </a:pPr>
+            <a:r>
+              <a:rPr lang="ko-KR" altLang="en-US" sz="1400" i="0">
+                <a:solidFill>
+                  <a:srgbClr val="24292F"/>
+                </a:solidFill>
+                <a:effectLst/>
+                <a:latin typeface="맑은 고딕" panose="020B0503020000020004" pitchFamily="50" charset="-127"/>
+                <a:ea typeface="맑은 고딕" panose="020B0503020000020004" pitchFamily="50" charset="-127"/>
+              </a:rPr>
+              <a:t>프로세스마다 고유한 값으로 나오는 디스크립터를</a:t>
+            </a:r>
+            <a:r>
+              <a:rPr lang="en-US" altLang="ko-KR" sz="1400" i="0">
+                <a:solidFill>
+                  <a:srgbClr val="24292F"/>
+                </a:solidFill>
+                <a:effectLst/>
+                <a:latin typeface="맑은 고딕" panose="020B0503020000020004" pitchFamily="50" charset="-127"/>
+                <a:ea typeface="맑은 고딕" panose="020B0503020000020004" pitchFamily="50" charset="-127"/>
+              </a:rPr>
+              <a:t>,</a:t>
+            </a:r>
+            <a:br>
+              <a:rPr lang="en-US" altLang="ko-KR" sz="1400" i="0">
+                <a:solidFill>
+                  <a:srgbClr val="24292F"/>
+                </a:solidFill>
+                <a:effectLst/>
+                <a:latin typeface="맑은 고딕" panose="020B0503020000020004" pitchFamily="50" charset="-127"/>
+                <a:ea typeface="맑은 고딕" panose="020B0503020000020004" pitchFamily="50" charset="-127"/>
+              </a:rPr>
+            </a:br>
+            <a:endParaRPr lang="en-US" altLang="ko-KR" sz="1400" i="0">
+              <a:solidFill>
+                <a:srgbClr val="24292F"/>
+              </a:solidFill>
+              <a:effectLst/>
+              <a:latin typeface="맑은 고딕" panose="020B0503020000020004" pitchFamily="50" charset="-127"/>
+              <a:ea typeface="맑은 고딕" panose="020B0503020000020004" pitchFamily="50" charset="-127"/>
+            </a:endParaRPr>
+          </a:p>
+          <a:p>
+            <a:pPr marL="342900" indent="-342900">
+              <a:buFont typeface="+mj-lt"/>
+              <a:buAutoNum type="arabicPeriod"/>
+            </a:pPr>
+            <a:r>
+              <a:rPr lang="ko-KR" altLang="en-US" sz="1400">
+                <a:solidFill>
+                  <a:srgbClr val="24292F"/>
+                </a:solidFill>
+                <a:latin typeface="맑은 고딕" panose="020B0503020000020004" pitchFamily="50" charset="-127"/>
+                <a:ea typeface="맑은 고딕" panose="020B0503020000020004" pitchFamily="50" charset="-127"/>
+              </a:rPr>
+              <a:t>서버측으로 넘김으로써 </a:t>
+            </a:r>
+            <a:r>
+              <a:rPr lang="en-US" altLang="ko-KR" sz="1400">
+                <a:solidFill>
+                  <a:srgbClr val="24292F"/>
+                </a:solidFill>
+                <a:latin typeface="맑은 고딕" panose="020B0503020000020004" pitchFamily="50" charset="-127"/>
+                <a:ea typeface="맑은 고딕" panose="020B0503020000020004" pitchFamily="50" charset="-127"/>
+              </a:rPr>
+              <a:t>PC</a:t>
+            </a:r>
+            <a:r>
+              <a:rPr lang="ko-KR" altLang="en-US" sz="1400">
+                <a:solidFill>
+                  <a:srgbClr val="24292F"/>
+                </a:solidFill>
+                <a:latin typeface="맑은 고딕" panose="020B0503020000020004" pitchFamily="50" charset="-127"/>
+                <a:ea typeface="맑은 고딕" panose="020B0503020000020004" pitchFamily="50" charset="-127"/>
+              </a:rPr>
+              <a:t>단위로 확장하려는 행위가 되며</a:t>
+            </a:r>
+            <a:br>
+              <a:rPr lang="en-US" altLang="ko-KR" sz="1400">
+                <a:solidFill>
+                  <a:srgbClr val="24292F"/>
+                </a:solidFill>
+                <a:latin typeface="맑은 고딕" panose="020B0503020000020004" pitchFamily="50" charset="-127"/>
+                <a:ea typeface="맑은 고딕" panose="020B0503020000020004" pitchFamily="50" charset="-127"/>
+              </a:rPr>
+            </a:br>
+            <a:endParaRPr lang="en-US" altLang="ko-KR" sz="1400">
+              <a:solidFill>
+                <a:srgbClr val="24292F"/>
+              </a:solidFill>
+              <a:latin typeface="맑은 고딕" panose="020B0503020000020004" pitchFamily="50" charset="-127"/>
+              <a:ea typeface="맑은 고딕" panose="020B0503020000020004" pitchFamily="50" charset="-127"/>
+            </a:endParaRPr>
+          </a:p>
+          <a:p>
+            <a:pPr marL="342900" indent="-342900">
+              <a:buFont typeface="+mj-lt"/>
+              <a:buAutoNum type="arabicPeriod"/>
+            </a:pPr>
+            <a:r>
+              <a:rPr lang="ko-KR" altLang="en-US" sz="1400" i="0">
+                <a:solidFill>
+                  <a:srgbClr val="24292F"/>
+                </a:solidFill>
+                <a:effectLst/>
+                <a:latin typeface="맑은 고딕" panose="020B0503020000020004" pitchFamily="50" charset="-127"/>
+                <a:ea typeface="맑은 고딕" panose="020B0503020000020004" pitchFamily="50" charset="-127"/>
+              </a:rPr>
+              <a:t>그러면 그 고유한 값의 범위를 크게 잡아야 하기 때문</a:t>
+            </a:r>
+            <a:endParaRPr lang="en-US" altLang="ko-KR" sz="1400" i="0">
+              <a:solidFill>
+                <a:srgbClr val="24292F"/>
+              </a:solidFill>
+              <a:effectLst/>
+              <a:latin typeface="맑은 고딕" panose="020B0503020000020004" pitchFamily="50" charset="-127"/>
+              <a:ea typeface="맑은 고딕" panose="020B0503020000020004" pitchFamily="50" charset="-127"/>
+            </a:endParaRPr>
           </a:p>
         </p:txBody>
       </p:sp>
     </p:spTree>
     <p:extLst>
       <p:ext uri="{BB962C8B-B14F-4D97-AF65-F5344CB8AC3E}">
-        <p14:creationId xmlns:p14="http://schemas.microsoft.com/office/powerpoint/2010/main" val="597958096"/>
+        <p14:creationId xmlns:p14="http://schemas.microsoft.com/office/powerpoint/2010/main" val="4024362686"/>
       </p:ext>
     </p:extLst>
   </p:cSld>
@@ -16820,6 +17461,253 @@
 </p:sld>
 </file>
 
+<file path=ppt/slides/slide20.xml><?xml version="1.0" encoding="utf-8"?>
+<p:sld xmlns:a="http://schemas.openxmlformats.org/drawingml/2006/main" xmlns:r="http://schemas.openxmlformats.org/officeDocument/2006/relationships" xmlns:p="http://schemas.openxmlformats.org/presentationml/2006/main">
+  <p:cSld>
+    <p:spTree>
+      <p:nvGrpSpPr>
+        <p:cNvPr id="1" name=""/>
+        <p:cNvGrpSpPr/>
+        <p:nvPr/>
+      </p:nvGrpSpPr>
+      <p:grpSpPr>
+        <a:xfrm>
+          <a:off x="0" y="0"/>
+          <a:ext cx="0" cy="0"/>
+          <a:chOff x="0" y="0"/>
+          <a:chExt cx="0" cy="0"/>
+        </a:xfrm>
+      </p:grpSpPr>
+      <p:sp>
+        <p:nvSpPr>
+          <p:cNvPr id="9" name="Rectangle 150">
+            <a:extLst>
+              <a:ext uri="{FF2B5EF4-FFF2-40B4-BE49-F238E27FC236}">
+                <a16:creationId xmlns:a16="http://schemas.microsoft.com/office/drawing/2014/main" id="{B6D2B44A-A8AF-419F-A2C5-7317925249E9}"/>
+              </a:ext>
+            </a:extLst>
+          </p:cNvPr>
+          <p:cNvSpPr txBox="1">
+            <a:spLocks noChangeArrowheads="1"/>
+          </p:cNvSpPr>
+          <p:nvPr/>
+        </p:nvSpPr>
+        <p:spPr bwMode="auto">
+          <a:xfrm>
+            <a:off x="2159793" y="2781300"/>
+            <a:ext cx="4824413" cy="647700"/>
+          </a:xfrm>
+          <a:prstGeom prst="rect">
+            <a:avLst/>
+          </a:prstGeom>
+          <a:noFill/>
+          <a:ln>
+            <a:noFill/>
+          </a:ln>
+          <a:effectLst/>
+          <a:extLst>
+            <a:ext uri="{909E8E84-426E-40DD-AFC4-6F175D3DCCD1}">
+              <a14:hiddenFill xmlns:a14="http://schemas.microsoft.com/office/drawing/2010/main">
+                <a:solidFill>
+                  <a:schemeClr val="accent1"/>
+                </a:solidFill>
+              </a14:hiddenFill>
+            </a:ext>
+            <a:ext uri="{91240B29-F687-4F45-9708-019B960494DF}">
+              <a14:hiddenLine xmlns:a14="http://schemas.microsoft.com/office/drawing/2010/main" w="9525">
+                <a:solidFill>
+                  <a:schemeClr val="tx1"/>
+                </a:solidFill>
+                <a:miter lim="800000"/>
+                <a:headEnd/>
+                <a:tailEnd/>
+              </a14:hiddenLine>
+            </a:ext>
+            <a:ext uri="{AF507438-7753-43E0-B8FC-AC1667EBCBE1}">
+              <a14:hiddenEffects xmlns:a14="http://schemas.microsoft.com/office/drawing/2010/main">
+                <a:effectLst>
+                  <a:outerShdw dist="35921" dir="2700000" algn="ctr" rotWithShape="0">
+                    <a:schemeClr val="bg2"/>
+                  </a:outerShdw>
+                </a:effectLst>
+              </a14:hiddenEffects>
+            </a:ext>
+          </a:extLst>
+        </p:spPr>
+        <p:txBody>
+          <a:bodyPr vert="horz" wrap="square" lIns="91440" tIns="45720" rIns="91440" bIns="45720" numCol="1" anchor="ctr" anchorCtr="0" compatLnSpc="1">
+            <a:prstTxWarp prst="textNoShape">
+              <a:avLst/>
+            </a:prstTxWarp>
+          </a:bodyPr>
+          <a:lstStyle>
+            <a:lvl1pPr algn="ctr" rtl="0" eaLnBrk="0" fontAlgn="base" hangingPunct="0">
+              <a:spcBef>
+                <a:spcPct val="0"/>
+              </a:spcBef>
+              <a:spcAft>
+                <a:spcPct val="0"/>
+              </a:spcAft>
+              <a:defRPr sz="4400" kern="1200">
+                <a:solidFill>
+                  <a:schemeClr val="tx2"/>
+                </a:solidFill>
+                <a:latin typeface="맑은 고딕" panose="020B0503020000020004" pitchFamily="50" charset="-127"/>
+                <a:ea typeface="맑은 고딕" panose="020B0503020000020004" pitchFamily="50" charset="-127"/>
+                <a:cs typeface="+mj-cs"/>
+              </a:defRPr>
+            </a:lvl1pPr>
+            <a:lvl2pPr algn="ctr" rtl="0" eaLnBrk="0" fontAlgn="base" hangingPunct="0">
+              <a:spcBef>
+                <a:spcPct val="0"/>
+              </a:spcBef>
+              <a:spcAft>
+                <a:spcPct val="0"/>
+              </a:spcAft>
+              <a:defRPr sz="4400">
+                <a:solidFill>
+                  <a:schemeClr val="tx2"/>
+                </a:solidFill>
+                <a:latin typeface="Arial" panose="020B0604020202020204" pitchFamily="34" charset="0"/>
+                <a:ea typeface="Arial Unicode MS" panose="020B0604020202020204" pitchFamily="50" charset="-127"/>
+                <a:cs typeface="Arial" panose="020B0604020202020204" pitchFamily="34" charset="0"/>
+              </a:defRPr>
+            </a:lvl2pPr>
+            <a:lvl3pPr algn="ctr" rtl="0" eaLnBrk="0" fontAlgn="base" hangingPunct="0">
+              <a:spcBef>
+                <a:spcPct val="0"/>
+              </a:spcBef>
+              <a:spcAft>
+                <a:spcPct val="0"/>
+              </a:spcAft>
+              <a:defRPr sz="4400">
+                <a:solidFill>
+                  <a:schemeClr val="tx2"/>
+                </a:solidFill>
+                <a:latin typeface="Arial" panose="020B0604020202020204" pitchFamily="34" charset="0"/>
+                <a:ea typeface="Arial Unicode MS" panose="020B0604020202020204" pitchFamily="50" charset="-127"/>
+                <a:cs typeface="Arial" panose="020B0604020202020204" pitchFamily="34" charset="0"/>
+              </a:defRPr>
+            </a:lvl3pPr>
+            <a:lvl4pPr algn="ctr" rtl="0" eaLnBrk="0" fontAlgn="base" hangingPunct="0">
+              <a:spcBef>
+                <a:spcPct val="0"/>
+              </a:spcBef>
+              <a:spcAft>
+                <a:spcPct val="0"/>
+              </a:spcAft>
+              <a:defRPr sz="4400">
+                <a:solidFill>
+                  <a:schemeClr val="tx2"/>
+                </a:solidFill>
+                <a:latin typeface="Arial" panose="020B0604020202020204" pitchFamily="34" charset="0"/>
+                <a:ea typeface="Arial Unicode MS" panose="020B0604020202020204" pitchFamily="50" charset="-127"/>
+                <a:cs typeface="Arial" panose="020B0604020202020204" pitchFamily="34" charset="0"/>
+              </a:defRPr>
+            </a:lvl4pPr>
+            <a:lvl5pPr algn="ctr" rtl="0" eaLnBrk="0" fontAlgn="base" hangingPunct="0">
+              <a:spcBef>
+                <a:spcPct val="0"/>
+              </a:spcBef>
+              <a:spcAft>
+                <a:spcPct val="0"/>
+              </a:spcAft>
+              <a:defRPr sz="4400">
+                <a:solidFill>
+                  <a:schemeClr val="tx2"/>
+                </a:solidFill>
+                <a:latin typeface="Arial" panose="020B0604020202020204" pitchFamily="34" charset="0"/>
+                <a:ea typeface="Arial Unicode MS" panose="020B0604020202020204" pitchFamily="50" charset="-127"/>
+                <a:cs typeface="Arial" panose="020B0604020202020204" pitchFamily="34" charset="0"/>
+              </a:defRPr>
+            </a:lvl5pPr>
+            <a:lvl6pPr marL="457200" algn="ctr" rtl="0" fontAlgn="base">
+              <a:spcBef>
+                <a:spcPct val="0"/>
+              </a:spcBef>
+              <a:spcAft>
+                <a:spcPct val="0"/>
+              </a:spcAft>
+              <a:defRPr sz="4400">
+                <a:solidFill>
+                  <a:schemeClr val="tx2"/>
+                </a:solidFill>
+                <a:latin typeface="Arial" panose="020B0604020202020204" pitchFamily="34" charset="0"/>
+                <a:cs typeface="Arial" panose="020B0604020202020204" pitchFamily="34" charset="0"/>
+              </a:defRPr>
+            </a:lvl6pPr>
+            <a:lvl7pPr marL="914400" algn="ctr" rtl="0" fontAlgn="base">
+              <a:spcBef>
+                <a:spcPct val="0"/>
+              </a:spcBef>
+              <a:spcAft>
+                <a:spcPct val="0"/>
+              </a:spcAft>
+              <a:defRPr sz="4400">
+                <a:solidFill>
+                  <a:schemeClr val="tx2"/>
+                </a:solidFill>
+                <a:latin typeface="Arial" panose="020B0604020202020204" pitchFamily="34" charset="0"/>
+                <a:cs typeface="Arial" panose="020B0604020202020204" pitchFamily="34" charset="0"/>
+              </a:defRPr>
+            </a:lvl7pPr>
+            <a:lvl8pPr marL="1371600" algn="ctr" rtl="0" fontAlgn="base">
+              <a:spcBef>
+                <a:spcPct val="0"/>
+              </a:spcBef>
+              <a:spcAft>
+                <a:spcPct val="0"/>
+              </a:spcAft>
+              <a:defRPr sz="4400">
+                <a:solidFill>
+                  <a:schemeClr val="tx2"/>
+                </a:solidFill>
+                <a:latin typeface="Arial" panose="020B0604020202020204" pitchFamily="34" charset="0"/>
+                <a:cs typeface="Arial" panose="020B0604020202020204" pitchFamily="34" charset="0"/>
+              </a:defRPr>
+            </a:lvl8pPr>
+            <a:lvl9pPr marL="1828800" algn="ctr" rtl="0" fontAlgn="base">
+              <a:spcBef>
+                <a:spcPct val="0"/>
+              </a:spcBef>
+              <a:spcAft>
+                <a:spcPct val="0"/>
+              </a:spcAft>
+              <a:defRPr sz="4400">
+                <a:solidFill>
+                  <a:schemeClr val="tx2"/>
+                </a:solidFill>
+                <a:latin typeface="Arial" panose="020B0604020202020204" pitchFamily="34" charset="0"/>
+                <a:cs typeface="Arial" panose="020B0604020202020204" pitchFamily="34" charset="0"/>
+              </a:defRPr>
+            </a:lvl9pPr>
+          </a:lstStyle>
+          <a:p>
+            <a:pPr eaLnBrk="1" hangingPunct="1"/>
+            <a:r>
+              <a:rPr lang="es-ES" altLang="ko-KR" sz="3200" b="1">
+                <a:solidFill>
+                  <a:schemeClr val="tx1"/>
+                </a:solidFill>
+              </a:rPr>
+              <a:t>Thank you</a:t>
+            </a:r>
+          </a:p>
+        </p:txBody>
+      </p:sp>
+    </p:spTree>
+    <p:extLst>
+      <p:ext uri="{BB962C8B-B14F-4D97-AF65-F5344CB8AC3E}">
+        <p14:creationId xmlns:p14="http://schemas.microsoft.com/office/powerpoint/2010/main" val="597958096"/>
+      </p:ext>
+    </p:extLst>
+  </p:cSld>
+  <p:clrMapOvr>
+    <a:masterClrMapping/>
+  </p:clrMapOvr>
+</p:sld>
+</file>
+
 <file path=ppt/slides/slide3.xml><?xml version="1.0" encoding="utf-8"?>
 <p:sld xmlns:a="http://schemas.openxmlformats.org/drawingml/2006/main" xmlns:r="http://schemas.openxmlformats.org/officeDocument/2006/relationships" xmlns:p="http://schemas.openxmlformats.org/presentationml/2006/main">
   <p:cSld>
@@ -17407,7 +18295,7 @@
               <a:buNone/>
             </a:pPr>
             <a:r>
-              <a:rPr lang="en-US" altLang="ko-KR" sz="1400" b="0" i="0">
+              <a:rPr lang="en-US" altLang="ko-KR" sz="1400" b="1" i="1">
                 <a:solidFill>
                   <a:srgbClr val="24292F"/>
                 </a:solidFill>
@@ -17418,7 +18306,7 @@
               <a:t>1. </a:t>
             </a:r>
             <a:r>
-              <a:rPr lang="ko-KR" altLang="en-US" sz="1400" b="0" i="0">
+              <a:rPr lang="ko-KR" altLang="en-US" sz="1400" b="1" i="1">
                 <a:solidFill>
                   <a:srgbClr val="24292F"/>
                 </a:solidFill>
@@ -17429,37 +18317,17 @@
               <a:t>사용자가 </a:t>
             </a:r>
             <a:r>
-              <a:rPr lang="en-US" altLang="ko-KR" sz="1400">
-                <a:solidFill>
-                  <a:srgbClr val="24292F"/>
-                </a:solidFill>
-                <a:latin typeface="맑은 고딕" panose="020B0503020000020004" pitchFamily="50" charset="-127"/>
-                <a:ea typeface="맑은 고딕" panose="020B0503020000020004" pitchFamily="50" charset="-127"/>
-              </a:rPr>
-              <a:t>URL(</a:t>
-            </a:r>
-            <a:r>
-              <a:rPr lang="en-US" altLang="ko-KR" sz="1400" b="1">
-                <a:solidFill>
-                  <a:srgbClr val="24292F"/>
-                </a:solidFill>
-                <a:latin typeface="맑은 고딕" panose="020B0503020000020004" pitchFamily="50" charset="-127"/>
-                <a:ea typeface="맑은 고딕" panose="020B0503020000020004" pitchFamily="50" charset="-127"/>
-              </a:rPr>
-              <a:t>Uniform Resource Locator</a:t>
-            </a:r>
-            <a:r>
-              <a:rPr lang="en-US" altLang="ko-KR" sz="1400">
-                <a:solidFill>
-                  <a:srgbClr val="24292F"/>
-                </a:solidFill>
-                <a:latin typeface="맑은 고딕" panose="020B0503020000020004" pitchFamily="50" charset="-127"/>
-                <a:ea typeface="맑은 고딕" panose="020B0503020000020004" pitchFamily="50" charset="-127"/>
-              </a:rPr>
-              <a:t>)</a:t>
-            </a:r>
-            <a:r>
-              <a:rPr lang="ko-KR" altLang="en-US" sz="1400">
+              <a:rPr lang="en-US" altLang="ko-KR" sz="1400" b="1" i="1">
+                <a:solidFill>
+                  <a:srgbClr val="24292F"/>
+                </a:solidFill>
+                <a:latin typeface="맑은 고딕" panose="020B0503020000020004" pitchFamily="50" charset="-127"/>
+                <a:ea typeface="맑은 고딕" panose="020B0503020000020004" pitchFamily="50" charset="-127"/>
+              </a:rPr>
+              <a:t>URL(Uniform Resource Locator)</a:t>
+            </a:r>
+            <a:r>
+              <a:rPr lang="ko-KR" altLang="en-US" sz="1400" b="1" i="1">
                 <a:solidFill>
                   <a:srgbClr val="24292F"/>
                 </a:solidFill>
@@ -17469,7 +18337,7 @@
               <a:t>을 입력한다</a:t>
             </a:r>
             <a:r>
-              <a:rPr lang="en-US" altLang="ko-KR" sz="1400">
+              <a:rPr lang="en-US" altLang="ko-KR" sz="1400" b="1" i="1">
                 <a:solidFill>
                   <a:srgbClr val="24292F"/>
                 </a:solidFill>
@@ -17478,7 +18346,7 @@
               </a:rPr>
               <a:t>.</a:t>
             </a:r>
-            <a:endParaRPr lang="en-US" altLang="ko-KR" sz="1400" b="0" i="0">
+            <a:endParaRPr lang="en-US" altLang="ko-KR" sz="1400" b="1" i="1">
               <a:solidFill>
                 <a:srgbClr val="24292F"/>
               </a:solidFill>
@@ -17684,7 +18552,7 @@
               <a:buNone/>
             </a:pPr>
             <a:r>
-              <a:rPr lang="en-US" altLang="ko-KR" sz="1400" b="0" i="0">
+              <a:rPr lang="en-US" altLang="ko-KR" sz="1400" b="1" i="1">
                 <a:solidFill>
                   <a:srgbClr val="24292F"/>
                 </a:solidFill>
@@ -17695,7 +18563,7 @@
               <a:t>2. URL</a:t>
             </a:r>
             <a:r>
-              <a:rPr lang="ko-KR" altLang="en-US" sz="1400" b="0" i="0">
+              <a:rPr lang="ko-KR" altLang="en-US" sz="1400" b="1" i="1">
                 <a:solidFill>
                   <a:srgbClr val="24292F"/>
                 </a:solidFill>
@@ -17706,7 +18574,7 @@
               <a:t>을 웹 브라우저가 해석한다</a:t>
             </a:r>
             <a:r>
-              <a:rPr lang="en-US" altLang="ko-KR" sz="1400" b="0" i="0">
+              <a:rPr lang="en-US" altLang="ko-KR" sz="1400" b="1" i="1">
                 <a:solidFill>
                   <a:srgbClr val="24292F"/>
                 </a:solidFill>
@@ -20894,7 +21762,7 @@
         </p:nvSpPr>
         <p:spPr bwMode="auto">
           <a:xfrm>
-            <a:off x="755576" y="1396657"/>
+            <a:off x="565684" y="1396657"/>
             <a:ext cx="8229600" cy="307777"/>
           </a:xfrm>
           <a:prstGeom prst="rect">
@@ -21135,7 +22003,7 @@
         </p:nvSpPr>
         <p:spPr bwMode="auto">
           <a:xfrm>
-            <a:off x="755576" y="1924557"/>
+            <a:off x="565684" y="1969630"/>
             <a:ext cx="8229600" cy="1040285"/>
           </a:xfrm>
           <a:prstGeom prst="rect">
@@ -21637,7 +22505,7 @@
               <a:buNone/>
             </a:pPr>
             <a:r>
-              <a:rPr lang="en-US" altLang="ko-KR" sz="1400" b="0" i="0">
+              <a:rPr lang="en-US" altLang="ko-KR" sz="1400" b="1" i="1">
                 <a:solidFill>
                   <a:srgbClr val="24292F"/>
                 </a:solidFill>
@@ -21648,7 +22516,7 @@
               <a:t>3. </a:t>
             </a:r>
             <a:r>
-              <a:rPr lang="ko-KR" altLang="en-US" sz="1400" b="0" i="0">
+              <a:rPr lang="ko-KR" altLang="en-US" sz="1400" b="1" i="1">
                 <a:solidFill>
                   <a:srgbClr val="24292F"/>
                 </a:solidFill>
@@ -21659,7 +22527,7 @@
               <a:t>도메인명에 대응하는 </a:t>
             </a:r>
             <a:r>
-              <a:rPr lang="en-US" altLang="ko-KR" sz="1400">
+              <a:rPr lang="en-US" altLang="ko-KR" sz="1400" b="1" i="1">
                 <a:solidFill>
                   <a:srgbClr val="24292F"/>
                 </a:solidFill>
@@ -21669,7 +22537,7 @@
               <a:t>IP</a:t>
             </a:r>
             <a:r>
-              <a:rPr lang="ko-KR" altLang="en-US" sz="1400">
+              <a:rPr lang="ko-KR" altLang="en-US" sz="1400" b="1" i="1">
                 <a:solidFill>
                   <a:srgbClr val="24292F"/>
                 </a:solidFill>
@@ -21679,7 +22547,7 @@
               <a:t>주소를 조사해야한다</a:t>
             </a:r>
             <a:r>
-              <a:rPr lang="en-US" altLang="ko-KR" sz="1400">
+              <a:rPr lang="en-US" altLang="ko-KR" sz="1400" b="1" i="1">
                 <a:solidFill>
                   <a:srgbClr val="24292F"/>
                 </a:solidFill>
@@ -21688,7 +22556,7 @@
               </a:rPr>
               <a:t>.</a:t>
             </a:r>
-            <a:endParaRPr lang="en-US" altLang="ko-KR" sz="1400" b="0" i="0">
+            <a:endParaRPr lang="en-US" altLang="ko-KR" sz="1400" b="1" i="1">
               <a:solidFill>
                 <a:srgbClr val="24292F"/>
               </a:solidFill>
@@ -23479,7 +24347,7 @@
               <a:buNone/>
             </a:pPr>
             <a:r>
-              <a:rPr lang="en-US" altLang="ko-KR" sz="1400">
+              <a:rPr lang="en-US" altLang="ko-KR" sz="1400" b="1" i="1">
                 <a:solidFill>
                   <a:srgbClr val="24292F"/>
                 </a:solidFill>
@@ -23489,7 +24357,7 @@
               <a:t>4</a:t>
             </a:r>
             <a:r>
-              <a:rPr lang="en-US" altLang="ko-KR" sz="1400" b="0" i="0">
+              <a:rPr lang="en-US" altLang="ko-KR" sz="1400" b="1" i="1">
                 <a:solidFill>
                   <a:srgbClr val="24292F"/>
                 </a:solidFill>
@@ -23500,7 +24368,7 @@
               <a:t>. </a:t>
             </a:r>
             <a:r>
-              <a:rPr lang="ko-KR" altLang="en-US" sz="1400" b="0" i="0">
+              <a:rPr lang="ko-KR" altLang="en-US" sz="1400" b="1" i="1">
                 <a:solidFill>
                   <a:srgbClr val="24292F"/>
                 </a:solidFill>
@@ -23511,7 +24379,7 @@
               <a:t>브라우저에서</a:t>
             </a:r>
             <a:r>
-              <a:rPr lang="ko-KR" altLang="en-US" sz="1400">
+              <a:rPr lang="ko-KR" altLang="en-US" sz="1400" b="1" i="1">
                 <a:solidFill>
                   <a:srgbClr val="24292F"/>
                 </a:solidFill>
@@ -23521,7 +24389,7 @@
               <a:t> 리졸버 프로그램을 호출한다</a:t>
             </a:r>
             <a:r>
-              <a:rPr lang="en-US" altLang="ko-KR" sz="1400">
+              <a:rPr lang="en-US" altLang="ko-KR" sz="1400" b="1" i="1">
                 <a:solidFill>
                   <a:srgbClr val="24292F"/>
                 </a:solidFill>
@@ -23530,7 +24398,7 @@
               </a:rPr>
               <a:t>.</a:t>
             </a:r>
-            <a:endParaRPr lang="en-US" altLang="ko-KR" sz="1400" b="0" i="0">
+            <a:endParaRPr lang="en-US" altLang="ko-KR" sz="1400" b="1" i="1">
               <a:solidFill>
                 <a:srgbClr val="24292F"/>
               </a:solidFill>
@@ -23779,7 +24647,7 @@
                 <a:latin typeface="맑은 고딕" panose="020B0503020000020004" pitchFamily="50" charset="-127"/>
                 <a:ea typeface="맑은 고딕" panose="020B0503020000020004" pitchFamily="50" charset="-127"/>
               </a:rPr>
-              <a:t>에 네트워크 기능을 호출하기 위한 </a:t>
+              <a:t>의 네트워크 기능을 호출하기 위한 </a:t>
             </a:r>
             <a:br>
               <a:rPr lang="en-US" altLang="ko-KR" sz="1400">
@@ -23808,7 +24676,7 @@
                 <a:latin typeface="맑은 고딕" panose="020B0503020000020004" pitchFamily="50" charset="-127"/>
                 <a:ea typeface="맑은 고딕" panose="020B0503020000020004" pitchFamily="50" charset="-127"/>
               </a:rPr>
-              <a:t>라이브러리의 프로그램</a:t>
+              <a:t>라이브러리의 일부인 프로그램</a:t>
             </a:r>
             <a:endParaRPr lang="en-US" altLang="ko-KR" sz="1400">
               <a:solidFill>
@@ -23836,7 +24704,7 @@
         </p:nvSpPr>
         <p:spPr bwMode="auto">
           <a:xfrm>
-            <a:off x="927310" y="6257182"/>
+            <a:off x="755576" y="5397965"/>
             <a:ext cx="8229600" cy="566309"/>
           </a:xfrm>
           <a:prstGeom prst="rect">

--- a/09/yongki/WebBrowser.pptx
+++ b/09/yongki/WebBrowser.pptx
@@ -18587,36 +18587,6 @@
           </a:p>
         </p:txBody>
       </p:sp>
-      <p:pic>
-        <p:nvPicPr>
-          <p:cNvPr id="6" name="그림 5">
-            <a:extLst>
-              <a:ext uri="{FF2B5EF4-FFF2-40B4-BE49-F238E27FC236}">
-                <a16:creationId xmlns:a16="http://schemas.microsoft.com/office/drawing/2014/main" id="{484CC898-7252-482C-A7F2-6FB97D6D8445}"/>
-              </a:ext>
-            </a:extLst>
-          </p:cNvPr>
-          <p:cNvPicPr>
-            <a:picLocks noChangeAspect="1"/>
-          </p:cNvPicPr>
-          <p:nvPr/>
-        </p:nvPicPr>
-        <p:blipFill>
-          <a:blip r:embed="rId2"/>
-          <a:stretch>
-            <a:fillRect/>
-          </a:stretch>
-        </p:blipFill>
-        <p:spPr>
-          <a:xfrm>
-            <a:off x="827583" y="2353054"/>
-            <a:ext cx="6913429" cy="643898"/>
-          </a:xfrm>
-          <a:prstGeom prst="rect">
-            <a:avLst/>
-          </a:prstGeom>
-        </p:spPr>
-      </p:pic>
       <p:sp>
         <p:nvSpPr>
           <p:cNvPr id="13" name="TextBox 12">
@@ -19088,6 +19058,36 @@
           </a:p>
         </p:txBody>
       </p:sp>
+      <p:pic>
+        <p:nvPicPr>
+          <p:cNvPr id="4" name="그림 3">
+            <a:extLst>
+              <a:ext uri="{FF2B5EF4-FFF2-40B4-BE49-F238E27FC236}">
+                <a16:creationId xmlns:a16="http://schemas.microsoft.com/office/drawing/2014/main" id="{BDE2C64B-507C-4B5F-96C8-BDF94DA9930A}"/>
+              </a:ext>
+            </a:extLst>
+          </p:cNvPr>
+          <p:cNvPicPr>
+            <a:picLocks noChangeAspect="1"/>
+          </p:cNvPicPr>
+          <p:nvPr/>
+        </p:nvPicPr>
+        <p:blipFill>
+          <a:blip r:embed="rId2"/>
+          <a:stretch>
+            <a:fillRect/>
+          </a:stretch>
+        </p:blipFill>
+        <p:spPr>
+          <a:xfrm>
+            <a:off x="951995" y="2370387"/>
+            <a:ext cx="7240010" cy="466790"/>
+          </a:xfrm>
+          <a:prstGeom prst="rect">
+            <a:avLst/>
+          </a:prstGeom>
+        </p:spPr>
+      </p:pic>
     </p:spTree>
   </p:cSld>
   <p:clrMapOvr>
@@ -19140,33 +19140,6 @@
                                   </p:childTnLst>
                                 </p:cTn>
                               </p:par>
-                              <p:par>
-                                <p:cTn id="7" presetID="1" presetClass="entr" presetSubtype="0" fill="hold" nodeType="withEffect">
-                                  <p:stCondLst>
-                                    <p:cond delay="0"/>
-                                  </p:stCondLst>
-                                  <p:childTnLst>
-                                    <p:set>
-                                      <p:cBhvr>
-                                        <p:cTn id="8" dur="1" fill="hold">
-                                          <p:stCondLst>
-                                            <p:cond delay="0"/>
-                                          </p:stCondLst>
-                                        </p:cTn>
-                                        <p:tgtEl>
-                                          <p:spTgt spid="6"/>
-                                        </p:tgtEl>
-                                        <p:attrNameLst>
-                                          <p:attrName>style.visibility</p:attrName>
-                                        </p:attrNameLst>
-                                      </p:cBhvr>
-                                      <p:to>
-                                        <p:strVal val="visible"/>
-                                      </p:to>
-                                    </p:set>
-                                  </p:childTnLst>
-                                </p:cTn>
-                              </p:par>
                             </p:childTnLst>
                           </p:cTn>
                         </p:par>
@@ -19174,26 +19147,26 @@
                     </p:cTn>
                   </p:par>
                   <p:par>
-                    <p:cTn id="9" fill="hold">
+                    <p:cTn id="7" fill="hold">
                       <p:stCondLst>
                         <p:cond delay="indefinite"/>
                       </p:stCondLst>
                       <p:childTnLst>
                         <p:par>
-                          <p:cTn id="10" fill="hold">
+                          <p:cTn id="8" fill="hold">
                             <p:stCondLst>
                               <p:cond delay="0"/>
                             </p:stCondLst>
                             <p:childTnLst>
                               <p:par>
-                                <p:cTn id="11" presetID="1" presetClass="entr" presetSubtype="0" fill="hold" grpId="0" nodeType="clickEffect">
+                                <p:cTn id="9" presetID="1" presetClass="entr" presetSubtype="0" fill="hold" grpId="0" nodeType="clickEffect">
                                   <p:stCondLst>
                                     <p:cond delay="0"/>
                                   </p:stCondLst>
                                   <p:childTnLst>
                                     <p:set>
                                       <p:cBhvr>
-                                        <p:cTn id="12" dur="1" fill="hold">
+                                        <p:cTn id="10" dur="1" fill="hold">
                                           <p:stCondLst>
                                             <p:cond delay="0"/>
                                           </p:stCondLst>
@@ -19219,26 +19192,26 @@
                     </p:cTn>
                   </p:par>
                   <p:par>
-                    <p:cTn id="13" fill="hold">
+                    <p:cTn id="11" fill="hold">
                       <p:stCondLst>
                         <p:cond delay="indefinite"/>
                       </p:stCondLst>
                       <p:childTnLst>
                         <p:par>
-                          <p:cTn id="14" fill="hold">
+                          <p:cTn id="12" fill="hold">
                             <p:stCondLst>
                               <p:cond delay="0"/>
                             </p:stCondLst>
                             <p:childTnLst>
                               <p:par>
-                                <p:cTn id="15" presetID="1" presetClass="entr" presetSubtype="0" fill="hold" grpId="0" nodeType="clickEffect">
+                                <p:cTn id="13" presetID="1" presetClass="entr" presetSubtype="0" fill="hold" grpId="0" nodeType="clickEffect">
                                   <p:stCondLst>
                                     <p:cond delay="0"/>
                                   </p:stCondLst>
                                   <p:childTnLst>
                                     <p:set>
                                       <p:cBhvr>
-                                        <p:cTn id="16" dur="1" fill="hold">
+                                        <p:cTn id="14" dur="1" fill="hold">
                                           <p:stCondLst>
                                             <p:cond delay="0"/>
                                           </p:stCondLst>
